--- a/presentables/posters/poster_diagrams.pptx
+++ b/presentables/posters/poster_diagrams.pptx
@@ -5,7 +5,7 @@
     <p:sldMasterId id="2147483648" r:id="rId1"/>
   </p:sldMasterIdLst>
   <p:notesMasterIdLst>
-    <p:notesMasterId r:id="rId11"/>
+    <p:notesMasterId r:id="rId10"/>
   </p:notesMasterIdLst>
   <p:sldIdLst>
     <p:sldId id="256" r:id="rId4"/>
@@ -14,7 +14,6 @@
     <p:sldId id="259" r:id="rId7"/>
     <p:sldId id="260" r:id="rId8"/>
     <p:sldId id="261" r:id="rId9"/>
-    <p:sldId id="262" r:id="rId10"/>
   </p:sldIdLst>
   <p:sldSz cx="12192000" cy="6858000"/>
   <p:notesSz cx="6858000" cy="9144000"/>
@@ -591,7 +590,7 @@
       </p:grpSpPr>
       <p:sp>
         <p:nvSpPr>
-          <p:cNvPr id="1800195969" name="Slide Image Placeholder 1"/>
+          <p:cNvPr id="113898888" name="Slide Image Placeholder 1"/>
           <p:cNvSpPr>
             <a:spLocks noChangeAspect="1" noGrp="1" noRot="1"/>
           </p:cNvSpPr>
@@ -603,7 +602,7 @@
       </p:sp>
       <p:sp>
         <p:nvSpPr>
-          <p:cNvPr id="73568966" name="Notes Placeholder 2"/>
+          <p:cNvPr id="1859162914" name="Notes Placeholder 2"/>
           <p:cNvSpPr>
             <a:spLocks noGrp="1"/>
           </p:cNvSpPr>
@@ -625,7 +624,7 @@
       </p:sp>
       <p:sp>
         <p:nvSpPr>
-          <p:cNvPr id="748334960" name="Slide Number Placeholder 3"/>
+          <p:cNvPr id="546049685" name="Slide Number Placeholder 3"/>
           <p:cNvSpPr>
             <a:spLocks noGrp="1"/>
           </p:cNvSpPr>
@@ -641,7 +640,7 @@
             <a:pPr>
               <a:defRPr/>
             </a:pPr>
-            <a:fld id="{79A73E45-2C1C-1069-0F60-5CB8CD8CD5D4}" type="slidenum">
+            <a:fld id="{E6C3718A-78CF-8EAB-01DD-16F7985D310C}" type="slidenum">
               <a:rPr/>
               <a:t/>
             </a:fld>
@@ -673,7 +672,7 @@
       </p:grpSpPr>
       <p:sp>
         <p:nvSpPr>
-          <p:cNvPr id="113898888" name="Slide Image Placeholder 1"/>
+          <p:cNvPr id="2" name="Slide Image Placeholder 1"/>
           <p:cNvSpPr>
             <a:spLocks noChangeAspect="1" noGrp="1" noRot="1"/>
           </p:cNvSpPr>
@@ -685,7 +684,7 @@
       </p:sp>
       <p:sp>
         <p:nvSpPr>
-          <p:cNvPr id="1859162914" name="Notes Placeholder 2"/>
+          <p:cNvPr id="3" name="Notes Placeholder 2"/>
           <p:cNvSpPr>
             <a:spLocks noGrp="1"/>
           </p:cNvSpPr>
@@ -707,7 +706,7 @@
       </p:sp>
       <p:sp>
         <p:nvSpPr>
-          <p:cNvPr id="546049685" name="Slide Number Placeholder 3"/>
+          <p:cNvPr id="4" name="Slide Number Placeholder 3"/>
           <p:cNvSpPr>
             <a:spLocks noGrp="1"/>
           </p:cNvSpPr>
@@ -723,7 +722,7 @@
             <a:pPr>
               <a:defRPr/>
             </a:pPr>
-            <a:fld id="{E6C3718A-78CF-8EAB-01DD-16F7985D310C}" type="slidenum">
+            <a:fld id="{CD796742-6E99-2F48-8C94-1FD0EAE309DD}" type="slidenum">
               <a:rPr/>
               <a:t/>
             </a:fld>
@@ -755,7 +754,7 @@
       </p:grpSpPr>
       <p:sp>
         <p:nvSpPr>
-          <p:cNvPr id="1087641201" name="Slide Image Placeholder 1"/>
+          <p:cNvPr id="1505891785" name="Slide Image Placeholder 1"/>
           <p:cNvSpPr>
             <a:spLocks noChangeAspect="1" noGrp="1" noRot="1"/>
           </p:cNvSpPr>
@@ -767,7 +766,7 @@
       </p:sp>
       <p:sp>
         <p:nvSpPr>
-          <p:cNvPr id="1858564794" name="Notes Placeholder 2"/>
+          <p:cNvPr id="929434274" name="Notes Placeholder 2"/>
           <p:cNvSpPr>
             <a:spLocks noGrp="1"/>
           </p:cNvSpPr>
@@ -789,7 +788,7 @@
       </p:sp>
       <p:sp>
         <p:nvSpPr>
-          <p:cNvPr id="2084173179" name="Slide Number Placeholder 3"/>
+          <p:cNvPr id="1174055588" name="Slide Number Placeholder 3"/>
           <p:cNvSpPr>
             <a:spLocks noGrp="1"/>
           </p:cNvSpPr>
@@ -805,7 +804,7 @@
             <a:pPr>
               <a:defRPr/>
             </a:pPr>
-            <a:fld id="{0C83D8FD-9FDE-F940-8AB0-BE5C6AF5DF76}" type="slidenum">
+            <a:fld id="{CD3C6696-B2A4-DAD2-EB59-73AFB4E1C5EB}" type="slidenum">
               <a:rPr/>
               <a:t/>
             </a:fld>
@@ -837,88 +836,6 @@
       </p:grpSpPr>
       <p:sp>
         <p:nvSpPr>
-          <p:cNvPr id="256631818" name="Slide Image Placeholder 1"/>
-          <p:cNvSpPr>
-            <a:spLocks noChangeAspect="1" noGrp="1" noRot="1"/>
-          </p:cNvSpPr>
-          <p:nvPr>
-            <p:ph type="sldImg"/>
-          </p:nvPr>
-        </p:nvSpPr>
-        <p:spPr bwMode="auto"/>
-      </p:sp>
-      <p:sp>
-        <p:nvSpPr>
-          <p:cNvPr id="53554425" name="Notes Placeholder 2"/>
-          <p:cNvSpPr>
-            <a:spLocks noGrp="1"/>
-          </p:cNvSpPr>
-          <p:nvPr>
-            <p:ph type="body" idx="1"/>
-          </p:nvPr>
-        </p:nvSpPr>
-        <p:spPr bwMode="auto"/>
-        <p:txBody>
-          <a:bodyPr/>
-          <a:lstStyle/>
-          <a:p>
-            <a:pPr>
-              <a:defRPr/>
-            </a:pPr>
-            <a:endParaRPr/>
-          </a:p>
-        </p:txBody>
-      </p:sp>
-      <p:sp>
-        <p:nvSpPr>
-          <p:cNvPr id="2026126781" name="Slide Number Placeholder 3"/>
-          <p:cNvSpPr>
-            <a:spLocks noGrp="1"/>
-          </p:cNvSpPr>
-          <p:nvPr>
-            <p:ph type="sldNum" sz="quarter" idx="10"/>
-          </p:nvPr>
-        </p:nvSpPr>
-        <p:spPr bwMode="auto"/>
-        <p:txBody>
-          <a:bodyPr/>
-          <a:lstStyle/>
-          <a:p>
-            <a:pPr>
-              <a:defRPr/>
-            </a:pPr>
-            <a:fld id="{6291BFCC-D795-377F-2380-E6718AAF3497}" type="slidenum">
-              <a:rPr/>
-              <a:t/>
-            </a:fld>
-            <a:endParaRPr/>
-          </a:p>
-        </p:txBody>
-      </p:sp>
-    </p:spTree>
-  </p:cSld>
-</p:notes>
-</file>
-
-<file path=ppt/notesSlides/notesSlide6.xml><?xml version="1.0" encoding="utf-8"?>
-<p:notes xmlns:a="http://schemas.openxmlformats.org/drawingml/2006/main" xmlns:r="http://schemas.openxmlformats.org/officeDocument/2006/relationships" xmlns:p="http://schemas.openxmlformats.org/presentationml/2006/main" xmlns:m="http://schemas.openxmlformats.org/officeDocument/2006/math" xmlns:w="http://schemas.openxmlformats.org/wordprocessingml/2006/main">
-  <p:cSld name="">
-    <p:spTree>
-      <p:nvGrpSpPr>
-        <p:cNvPr id="1" name=""/>
-        <p:cNvGrpSpPr/>
-        <p:nvPr/>
-      </p:nvGrpSpPr>
-      <p:grpSpPr bwMode="auto">
-        <a:xfrm>
-          <a:off x="0" y="0"/>
-          <a:ext cx="0" cy="0"/>
-          <a:chOff x="0" y="0"/>
-          <a:chExt cx="0" cy="0"/>
-        </a:xfrm>
-      </p:grpSpPr>
-      <p:sp>
-        <p:nvSpPr>
           <p:cNvPr id="1274789884" name="Slide Image Placeholder 1"/>
           <p:cNvSpPr>
             <a:spLocks noChangeAspect="1" noGrp="1" noRot="1"/>
@@ -990,7 +907,7 @@
 </p:notes>
 </file>
 
-<file path=ppt/notesSlides/notesSlide7.xml><?xml version="1.0" encoding="utf-8"?>
+<file path=ppt/notesSlides/notesSlide6.xml><?xml version="1.0" encoding="utf-8"?>
 <p:notes xmlns:a="http://schemas.openxmlformats.org/drawingml/2006/main" xmlns:r="http://schemas.openxmlformats.org/officeDocument/2006/relationships" xmlns:p="http://schemas.openxmlformats.org/presentationml/2006/main" xmlns:m="http://schemas.openxmlformats.org/officeDocument/2006/math" xmlns:w="http://schemas.openxmlformats.org/wordprocessingml/2006/main">
   <p:cSld name="">
     <p:spTree>
@@ -4433,7 +4350,7 @@
         </p:nvSpPr>
         <p:spPr bwMode="auto">
           <a:xfrm flipH="0" flipV="0">
-            <a:off x="19624" y="2380159"/>
+            <a:off x="19624" y="2380158"/>
             <a:ext cx="12169668" cy="427079"/>
           </a:xfrm>
           <a:prstGeom prst="rect">
@@ -5064,6 +4981,79 @@
                 <a:cs typeface="Montserrat"/>
               </a:rPr>
               <a:t>#5db4e6</a:t>
+            </a:r>
+            <a:endParaRPr sz="2200">
+              <a:latin typeface="Montserrat"/>
+              <a:cs typeface="Montserrat"/>
+            </a:endParaRPr>
+          </a:p>
+        </p:txBody>
+      </p:sp>
+      <p:sp>
+        <p:nvSpPr>
+          <p:cNvPr id="1465746345" name=""/>
+          <p:cNvSpPr/>
+          <p:nvPr/>
+        </p:nvSpPr>
+        <p:spPr bwMode="auto">
+          <a:xfrm flipH="0" flipV="0">
+            <a:off x="5087412" y="5664716"/>
+            <a:ext cx="1692303" cy="906260"/>
+          </a:xfrm>
+          <a:prstGeom prst="rect">
+            <a:avLst/>
+          </a:prstGeom>
+          <a:solidFill>
+            <a:srgbClr val="F27474"/>
+          </a:solidFill>
+          <a:ln w="12700" cap="flat" cmpd="sng" algn="ctr">
+            <a:solidFill>
+              <a:srgbClr val="F08888"/>
+            </a:solidFill>
+            <a:prstDash val="solid"/>
+            <a:miter lim="800000"/>
+          </a:ln>
+        </p:spPr>
+        <p:style>
+          <a:lnRef idx="2">
+            <a:schemeClr val="accent1">
+              <a:shade val="50000"/>
+            </a:schemeClr>
+          </a:lnRef>
+          <a:fillRef idx="1">
+            <a:schemeClr val="accent1"/>
+          </a:fillRef>
+          <a:effectRef idx="0">
+            <a:schemeClr val="accent1"/>
+          </a:effectRef>
+          <a:fontRef idx="minor">
+            <a:schemeClr val="lt1"/>
+          </a:fontRef>
+        </p:style>
+        <p:txBody>
+          <a:bodyPr vertOverflow="overflow" horzOverflow="overflow" vert="horz" wrap="square" lIns="91440" tIns="45720" rIns="91440" bIns="45720" numCol="1" spcCol="0" rtlCol="0" fromWordArt="0" anchor="ctr" anchorCtr="0" forceAA="0" upright="0" compatLnSpc="0"/>
+          <a:p>
+            <a:pPr algn="ctr">
+              <a:defRPr/>
+            </a:pPr>
+            <a:r>
+              <a:rPr sz="2200">
+                <a:latin typeface="Montserrat"/>
+                <a:ea typeface="Montserrat"/>
+                <a:cs typeface="Montserrat"/>
+              </a:rPr>
+              <a:t>#</a:t>
+            </a:r>
+            <a:r>
+              <a:rPr lang="en-US" sz="2200" b="0" i="0" u="none" strike="noStrike" cap="none" spc="0">
+                <a:solidFill>
+                  <a:schemeClr val="lt1"/>
+                </a:solidFill>
+                <a:latin typeface="Montserrat"/>
+                <a:ea typeface="Montserrat"/>
+                <a:cs typeface="Montserrat"/>
+              </a:rPr>
+              <a:t>f27474</a:t>
             </a:r>
             <a:endParaRPr sz="2200">
               <a:latin typeface="Montserrat"/>
@@ -5105,6 +5095,566 @@
           <a:chExt cx="0" cy="0"/>
         </a:xfrm>
       </p:grpSpPr>
+      <p:pic>
+        <p:nvPicPr>
+          <p:cNvPr id="1380960287" name=""/>
+          <p:cNvPicPr>
+            <a:picLocks noChangeAspect="1"/>
+          </p:cNvPicPr>
+          <p:nvPr/>
+        </p:nvPicPr>
+        <p:blipFill>
+          <a:blip r:embed="rId3"/>
+          <a:stretch/>
+        </p:blipFill>
+        <p:spPr bwMode="auto">
+          <a:xfrm flipH="0" flipV="0">
+            <a:off x="2157" y="0"/>
+            <a:ext cx="12191999" cy="6858000"/>
+          </a:xfrm>
+          <a:prstGeom prst="rect">
+            <a:avLst/>
+          </a:prstGeom>
+        </p:spPr>
+      </p:pic>
+      <p:sp>
+        <p:nvSpPr>
+          <p:cNvPr id="1487860885" name=""/>
+          <p:cNvSpPr/>
+          <p:nvPr/>
+        </p:nvSpPr>
+        <p:spPr bwMode="auto">
+          <a:xfrm flipH="0" flipV="0">
+            <a:off x="115272" y="1257669"/>
+            <a:ext cx="4064364" cy="5012185"/>
+          </a:xfrm>
+          <a:prstGeom prst="rect">
+            <a:avLst/>
+          </a:prstGeom>
+          <a:noFill/>
+          <a:ln w="57150" cap="flat" cmpd="sng" algn="ctr">
+            <a:solidFill>
+              <a:srgbClr val="00204E">
+                <a:alpha val="99999"/>
+              </a:srgbClr>
+            </a:solidFill>
+            <a:prstDash val="solid"/>
+            <a:miter lim="800000"/>
+          </a:ln>
+        </p:spPr>
+        <p:style>
+          <a:lnRef idx="2">
+            <a:schemeClr val="accent1">
+              <a:shade val="50000"/>
+            </a:schemeClr>
+          </a:lnRef>
+          <a:fillRef idx="1">
+            <a:schemeClr val="accent1"/>
+          </a:fillRef>
+          <a:effectRef idx="0">
+            <a:schemeClr val="accent1"/>
+          </a:effectRef>
+          <a:fontRef idx="minor">
+            <a:schemeClr val="lt1"/>
+          </a:fontRef>
+        </p:style>
+        <p:txBody>
+          <a:bodyPr vertOverflow="overflow" horzOverflow="overflow" vert="horz" wrap="square" lIns="91440" tIns="45720" rIns="91440" bIns="45720" numCol="1" spcCol="0" rtlCol="0" fromWordArt="0" anchor="ctr" anchorCtr="0" forceAA="0" upright="0" compatLnSpc="0"/>
+          <a:p>
+            <a:pPr algn="ctr">
+              <a:defRPr/>
+            </a:pPr>
+            <a:endParaRPr sz="2200" b="1">
+              <a:solidFill>
+                <a:schemeClr val="tx1"/>
+              </a:solidFill>
+              <a:latin typeface="Montserrat"/>
+              <a:cs typeface="Montserrat"/>
+            </a:endParaRPr>
+          </a:p>
+        </p:txBody>
+      </p:sp>
+      <p:sp>
+        <p:nvSpPr>
+          <p:cNvPr id="632454883" name=""/>
+          <p:cNvSpPr/>
+          <p:nvPr/>
+        </p:nvSpPr>
+        <p:spPr bwMode="auto">
+          <a:xfrm flipH="0" flipV="0">
+            <a:off x="8042592" y="1257668"/>
+            <a:ext cx="3638547" cy="5012185"/>
+          </a:xfrm>
+          <a:prstGeom prst="rect">
+            <a:avLst/>
+          </a:prstGeom>
+          <a:noFill/>
+          <a:ln w="57150" cap="flat" cmpd="sng" algn="ctr">
+            <a:solidFill>
+              <a:srgbClr val="00204E">
+                <a:alpha val="99999"/>
+              </a:srgbClr>
+            </a:solidFill>
+            <a:prstDash val="solid"/>
+            <a:miter lim="800000"/>
+          </a:ln>
+        </p:spPr>
+        <p:style>
+          <a:lnRef idx="2">
+            <a:schemeClr val="accent1">
+              <a:shade val="50000"/>
+            </a:schemeClr>
+          </a:lnRef>
+          <a:fillRef idx="1">
+            <a:schemeClr val="accent1"/>
+          </a:fillRef>
+          <a:effectRef idx="0">
+            <a:schemeClr val="accent1"/>
+          </a:effectRef>
+          <a:fontRef idx="minor">
+            <a:schemeClr val="lt1"/>
+          </a:fontRef>
+        </p:style>
+        <p:txBody>
+          <a:bodyPr vertOverflow="overflow" horzOverflow="overflow" vert="horz" wrap="square" lIns="91440" tIns="45720" rIns="91440" bIns="45720" numCol="1" spcCol="0" rtlCol="0" fromWordArt="0" anchor="ctr" anchorCtr="0" forceAA="0" upright="0" compatLnSpc="0"/>
+          <a:p>
+            <a:pPr algn="ctr">
+              <a:defRPr/>
+            </a:pPr>
+            <a:endParaRPr sz="2200" b="1">
+              <a:solidFill>
+                <a:schemeClr val="tx1"/>
+              </a:solidFill>
+              <a:latin typeface="Montserrat"/>
+              <a:cs typeface="Montserrat"/>
+            </a:endParaRPr>
+          </a:p>
+        </p:txBody>
+      </p:sp>
+      <p:sp>
+        <p:nvSpPr>
+          <p:cNvPr id="1955098819" name=""/>
+          <p:cNvSpPr/>
+          <p:nvPr/>
+        </p:nvSpPr>
+        <p:spPr bwMode="auto">
+          <a:xfrm flipH="0" flipV="0">
+            <a:off x="4249125" y="3951612"/>
+            <a:ext cx="1655565" cy="2318242"/>
+          </a:xfrm>
+          <a:prstGeom prst="rect">
+            <a:avLst/>
+          </a:prstGeom>
+          <a:noFill/>
+          <a:ln w="57150" cap="flat" cmpd="sng" algn="ctr">
+            <a:solidFill>
+              <a:srgbClr val="C94949">
+                <a:alpha val="99999"/>
+              </a:srgbClr>
+            </a:solidFill>
+            <a:prstDash val="solid"/>
+            <a:miter lim="800000"/>
+          </a:ln>
+        </p:spPr>
+        <p:style>
+          <a:lnRef idx="2">
+            <a:schemeClr val="accent1">
+              <a:shade val="50000"/>
+            </a:schemeClr>
+          </a:lnRef>
+          <a:fillRef idx="1">
+            <a:schemeClr val="accent1"/>
+          </a:fillRef>
+          <a:effectRef idx="0">
+            <a:schemeClr val="accent1"/>
+          </a:effectRef>
+          <a:fontRef idx="minor">
+            <a:schemeClr val="lt1"/>
+          </a:fontRef>
+        </p:style>
+        <p:txBody>
+          <a:bodyPr vertOverflow="overflow" horzOverflow="overflow" vert="horz" wrap="square" lIns="91440" tIns="45720" rIns="91440" bIns="45720" numCol="1" spcCol="0" rtlCol="0" fromWordArt="0" anchor="ctr" anchorCtr="0" forceAA="0" upright="0" compatLnSpc="0"/>
+          <a:p>
+            <a:pPr algn="ctr">
+              <a:defRPr/>
+            </a:pPr>
+            <a:endParaRPr sz="2200" b="1">
+              <a:solidFill>
+                <a:srgbClr val="C94949"/>
+              </a:solidFill>
+              <a:latin typeface="Montserrat"/>
+              <a:cs typeface="Montserrat"/>
+            </a:endParaRPr>
+          </a:p>
+        </p:txBody>
+      </p:sp>
+      <p:sp>
+        <p:nvSpPr>
+          <p:cNvPr id="865912492" name=""/>
+          <p:cNvSpPr/>
+          <p:nvPr/>
+        </p:nvSpPr>
+        <p:spPr bwMode="auto">
+          <a:xfrm flipH="0" flipV="0">
+            <a:off x="6315022" y="3951612"/>
+            <a:ext cx="1648849" cy="2318242"/>
+          </a:xfrm>
+          <a:prstGeom prst="rect">
+            <a:avLst/>
+          </a:prstGeom>
+          <a:noFill/>
+          <a:ln w="57150" cap="flat" cmpd="sng" algn="ctr">
+            <a:solidFill>
+              <a:srgbClr val="C94949">
+                <a:alpha val="99999"/>
+              </a:srgbClr>
+            </a:solidFill>
+            <a:prstDash val="solid"/>
+            <a:miter lim="800000"/>
+          </a:ln>
+        </p:spPr>
+        <p:style>
+          <a:lnRef idx="2">
+            <a:schemeClr val="accent1">
+              <a:shade val="50000"/>
+            </a:schemeClr>
+          </a:lnRef>
+          <a:fillRef idx="1">
+            <a:schemeClr val="accent1"/>
+          </a:fillRef>
+          <a:effectRef idx="0">
+            <a:schemeClr val="accent1"/>
+          </a:effectRef>
+          <a:fontRef idx="minor">
+            <a:schemeClr val="lt1"/>
+          </a:fontRef>
+        </p:style>
+        <p:txBody>
+          <a:bodyPr vertOverflow="overflow" horzOverflow="overflow" vert="horz" wrap="square" lIns="91440" tIns="45720" rIns="91440" bIns="45720" numCol="1" spcCol="0" rtlCol="0" fromWordArt="0" anchor="ctr" anchorCtr="0" forceAA="0" upright="0" compatLnSpc="0"/>
+          <a:p>
+            <a:pPr algn="ctr">
+              <a:defRPr/>
+            </a:pPr>
+            <a:endParaRPr sz="2200" b="1">
+              <a:solidFill>
+                <a:schemeClr val="tx1"/>
+              </a:solidFill>
+              <a:latin typeface="Montserrat"/>
+              <a:cs typeface="Montserrat"/>
+            </a:endParaRPr>
+          </a:p>
+        </p:txBody>
+      </p:sp>
+      <p:sp>
+        <p:nvSpPr>
+          <p:cNvPr id="778439986" name=""/>
+          <p:cNvSpPr/>
+          <p:nvPr/>
+        </p:nvSpPr>
+        <p:spPr bwMode="auto">
+          <a:xfrm flipH="0" flipV="0">
+            <a:off x="4951165" y="2770512"/>
+            <a:ext cx="2469783" cy="800118"/>
+          </a:xfrm>
+          <a:prstGeom prst="rect">
+            <a:avLst/>
+          </a:prstGeom>
+          <a:noFill/>
+          <a:ln w="57150" cap="flat" cmpd="sng" algn="ctr">
+            <a:solidFill>
+              <a:srgbClr val="8B687F">
+                <a:alpha val="99999"/>
+              </a:srgbClr>
+            </a:solidFill>
+            <a:prstDash val="solid"/>
+            <a:miter lim="800000"/>
+          </a:ln>
+        </p:spPr>
+        <p:style>
+          <a:lnRef idx="2">
+            <a:schemeClr val="accent1">
+              <a:shade val="50000"/>
+            </a:schemeClr>
+          </a:lnRef>
+          <a:fillRef idx="1">
+            <a:schemeClr val="accent1"/>
+          </a:fillRef>
+          <a:effectRef idx="0">
+            <a:schemeClr val="accent1"/>
+          </a:effectRef>
+          <a:fontRef idx="minor">
+            <a:schemeClr val="lt1"/>
+          </a:fontRef>
+        </p:style>
+        <p:txBody>
+          <a:bodyPr vertOverflow="overflow" horzOverflow="overflow" vert="horz" wrap="square" lIns="91440" tIns="45720" rIns="91440" bIns="45720" numCol="1" spcCol="0" rtlCol="0" fromWordArt="0" anchor="ctr" anchorCtr="0" forceAA="0" upright="0" compatLnSpc="0"/>
+          <a:p>
+            <a:pPr algn="ctr">
+              <a:defRPr/>
+            </a:pPr>
+            <a:endParaRPr sz="2200" b="1">
+              <a:solidFill>
+                <a:schemeClr val="tx1"/>
+              </a:solidFill>
+              <a:latin typeface="Montserrat"/>
+              <a:cs typeface="Montserrat"/>
+            </a:endParaRPr>
+          </a:p>
+        </p:txBody>
+      </p:sp>
+      <p:sp>
+        <p:nvSpPr>
+          <p:cNvPr id="1073372221" name=""/>
+          <p:cNvSpPr txBox="1"/>
+          <p:nvPr/>
+        </p:nvSpPr>
+        <p:spPr bwMode="auto">
+          <a:xfrm flipH="0" flipV="0">
+            <a:off x="104472" y="5903734"/>
+            <a:ext cx="4076604" cy="366120"/>
+          </a:xfrm>
+          <a:prstGeom prst="rect">
+            <a:avLst/>
+          </a:prstGeom>
+          <a:noFill/>
+        </p:spPr>
+        <p:txBody>
+          <a:bodyPr vertOverflow="overflow" horzOverflow="overflow" vert="horz" wrap="square" lIns="91440" tIns="45720" rIns="91440" bIns="45720" numCol="1" spcCol="0" rtlCol="0" fromWordArt="0" anchor="t" anchorCtr="0" forceAA="0" upright="0" compatLnSpc="0">
+            <a:spAutoFit/>
+          </a:bodyPr>
+          <a:p>
+            <a:pPr algn="ctr">
+              <a:defRPr/>
+            </a:pPr>
+            <a:r>
+              <a:rPr b="1">
+                <a:solidFill>
+                  <a:srgbClr val="00204E"/>
+                </a:solidFill>
+                <a:latin typeface="Montserrat"/>
+                <a:cs typeface="Montserrat"/>
+              </a:rPr>
+              <a:t>Transmission </a:t>
+            </a:r>
+            <a:r>
+              <a:rPr b="1">
+                <a:solidFill>
+                  <a:srgbClr val="00204E"/>
+                </a:solidFill>
+                <a:latin typeface="Montserrat"/>
+                <a:cs typeface="Montserrat"/>
+              </a:rPr>
+              <a:t>computer</a:t>
+            </a:r>
+            <a:endParaRPr sz="2200" b="1">
+              <a:solidFill>
+                <a:srgbClr val="00204E"/>
+              </a:solidFill>
+              <a:latin typeface="Montserrat"/>
+              <a:cs typeface="Montserrat"/>
+            </a:endParaRPr>
+          </a:p>
+        </p:txBody>
+      </p:sp>
+      <p:sp>
+        <p:nvSpPr>
+          <p:cNvPr id="711858826" name=""/>
+          <p:cNvSpPr txBox="1"/>
+          <p:nvPr/>
+        </p:nvSpPr>
+        <p:spPr bwMode="auto">
+          <a:xfrm flipH="0" flipV="0">
+            <a:off x="8042592" y="5873073"/>
+            <a:ext cx="3644667" cy="366120"/>
+          </a:xfrm>
+          <a:prstGeom prst="rect">
+            <a:avLst/>
+          </a:prstGeom>
+          <a:noFill/>
+        </p:spPr>
+        <p:txBody>
+          <a:bodyPr vertOverflow="overflow" horzOverflow="overflow" vert="horz" wrap="square" lIns="91440" tIns="45720" rIns="91440" bIns="45720" numCol="1" spcCol="0" rtlCol="0" fromWordArt="0" anchor="t" anchorCtr="0" forceAA="0" upright="0" compatLnSpc="0">
+            <a:spAutoFit/>
+          </a:bodyPr>
+          <a:p>
+            <a:pPr algn="ctr">
+              <a:defRPr/>
+            </a:pPr>
+            <a:r>
+              <a:rPr b="1">
+                <a:solidFill>
+                  <a:srgbClr val="00204E"/>
+                </a:solidFill>
+                <a:latin typeface="Montserrat"/>
+                <a:cs typeface="Montserrat"/>
+              </a:rPr>
+              <a:t>Reception computer</a:t>
+            </a:r>
+            <a:endParaRPr sz="2200" b="1">
+              <a:solidFill>
+                <a:srgbClr val="00204E"/>
+              </a:solidFill>
+              <a:latin typeface="Montserrat"/>
+              <a:cs typeface="Montserrat"/>
+            </a:endParaRPr>
+          </a:p>
+        </p:txBody>
+      </p:sp>
+      <p:sp>
+        <p:nvSpPr>
+          <p:cNvPr id="503158729" name=""/>
+          <p:cNvSpPr txBox="1"/>
+          <p:nvPr/>
+        </p:nvSpPr>
+        <p:spPr bwMode="auto">
+          <a:xfrm flipH="0" flipV="0">
+            <a:off x="4249125" y="5903734"/>
+            <a:ext cx="1660965" cy="366120"/>
+          </a:xfrm>
+          <a:prstGeom prst="rect">
+            <a:avLst/>
+          </a:prstGeom>
+          <a:noFill/>
+        </p:spPr>
+        <p:txBody>
+          <a:bodyPr vertOverflow="overflow" horzOverflow="overflow" vert="horz" wrap="square" lIns="91440" tIns="45720" rIns="91440" bIns="45720" numCol="1" spcCol="0" rtlCol="0" fromWordArt="0" anchor="t" anchorCtr="0" forceAA="0" upright="0" compatLnSpc="0">
+            <a:spAutoFit/>
+          </a:bodyPr>
+          <a:p>
+            <a:pPr algn="ctr">
+              <a:defRPr/>
+            </a:pPr>
+            <a:r>
+              <a:rPr lang="en-US" b="1" i="0" u="none" strike="noStrike" cap="none" spc="0">
+                <a:solidFill>
+                  <a:srgbClr val="C94949"/>
+                </a:solidFill>
+                <a:latin typeface="Montserrat"/>
+                <a:ea typeface="Montserrat"/>
+                <a:cs typeface="Montserrat"/>
+              </a:rPr>
+              <a:t>USRP tx</a:t>
+            </a:r>
+            <a:endParaRPr sz="2200" b="1">
+              <a:solidFill>
+                <a:srgbClr val="C94949"/>
+              </a:solidFill>
+              <a:latin typeface="Montserrat"/>
+              <a:cs typeface="Montserrat"/>
+            </a:endParaRPr>
+          </a:p>
+        </p:txBody>
+      </p:sp>
+      <p:sp>
+        <p:nvSpPr>
+          <p:cNvPr id="1990537135" name=""/>
+          <p:cNvSpPr txBox="1"/>
+          <p:nvPr/>
+        </p:nvSpPr>
+        <p:spPr bwMode="auto">
+          <a:xfrm flipH="0" flipV="0">
+            <a:off x="5668520" y="2941453"/>
+            <a:ext cx="855677" cy="366120"/>
+          </a:xfrm>
+          <a:prstGeom prst="rect">
+            <a:avLst/>
+          </a:prstGeom>
+          <a:noFill/>
+        </p:spPr>
+        <p:txBody>
+          <a:bodyPr vertOverflow="overflow" horzOverflow="overflow" vert="horz" wrap="square" lIns="91440" tIns="45720" rIns="91440" bIns="45720" numCol="1" spcCol="0" rtlCol="0" fromWordArt="0" anchor="t" anchorCtr="0" forceAA="0" upright="0" compatLnSpc="0">
+            <a:spAutoFit/>
+          </a:bodyPr>
+          <a:p>
+            <a:pPr algn="l">
+              <a:defRPr/>
+            </a:pPr>
+            <a:r>
+              <a:rPr b="1">
+                <a:solidFill>
+                  <a:srgbClr val="8B687F"/>
+                </a:solidFill>
+                <a:latin typeface="Montserrat"/>
+                <a:cs typeface="Montserrat"/>
+              </a:rPr>
+              <a:t>Clock</a:t>
+            </a:r>
+            <a:r>
+              <a:rPr b="1">
+                <a:solidFill>
+                  <a:srgbClr val="8B687F"/>
+                </a:solidFill>
+                <a:latin typeface="Montserrat"/>
+                <a:cs typeface="Montserrat"/>
+              </a:rPr>
+              <a:t>    </a:t>
+            </a:r>
+            <a:endParaRPr sz="2200" b="1">
+              <a:solidFill>
+                <a:srgbClr val="8B687F"/>
+              </a:solidFill>
+              <a:latin typeface="Montserrat"/>
+              <a:cs typeface="Montserrat"/>
+            </a:endParaRPr>
+          </a:p>
+        </p:txBody>
+      </p:sp>
+      <p:sp>
+        <p:nvSpPr>
+          <p:cNvPr id="299091125" name=""/>
+          <p:cNvSpPr txBox="1"/>
+          <p:nvPr/>
+        </p:nvSpPr>
+        <p:spPr bwMode="auto">
+          <a:xfrm flipH="0" flipV="0">
+            <a:off x="6315022" y="5903734"/>
+            <a:ext cx="1662404" cy="366120"/>
+          </a:xfrm>
+          <a:prstGeom prst="rect">
+            <a:avLst/>
+          </a:prstGeom>
+          <a:noFill/>
+        </p:spPr>
+        <p:txBody>
+          <a:bodyPr vertOverflow="overflow" horzOverflow="overflow" vert="horz" wrap="square" lIns="91440" tIns="45720" rIns="91440" bIns="45720" numCol="1" spcCol="0" rtlCol="0" fromWordArt="0" anchor="t" anchorCtr="0" forceAA="0" upright="0" compatLnSpc="0">
+            <a:spAutoFit/>
+          </a:bodyPr>
+          <a:p>
+            <a:pPr algn="ctr">
+              <a:defRPr/>
+            </a:pPr>
+            <a:r>
+              <a:rPr lang="en-US" b="1" i="0" u="none" strike="noStrike" cap="none" spc="0">
+                <a:solidFill>
+                  <a:srgbClr val="C94949"/>
+                </a:solidFill>
+                <a:latin typeface="Montserrat"/>
+                <a:ea typeface="Montserrat"/>
+                <a:cs typeface="Montserrat"/>
+              </a:rPr>
+              <a:t>USRP </a:t>
+            </a:r>
+            <a:r>
+              <a:rPr lang="en-US" b="1" i="0" u="none" strike="noStrike" cap="none" spc="0">
+                <a:solidFill>
+                  <a:srgbClr val="C94949"/>
+                </a:solidFill>
+                <a:latin typeface="Montserrat"/>
+                <a:ea typeface="Montserrat"/>
+                <a:cs typeface="Montserrat"/>
+              </a:rPr>
+              <a:t>rx</a:t>
+            </a:r>
+            <a:endParaRPr sz="2200" b="1">
+              <a:solidFill>
+                <a:srgbClr val="C94949"/>
+              </a:solidFill>
+              <a:latin typeface="Montserrat"/>
+              <a:cs typeface="Montserrat"/>
+            </a:endParaRPr>
+          </a:p>
+        </p:txBody>
+      </p:sp>
     </p:spTree>
   </p:cSld>
   <p:clrMapOvr>
@@ -5124,6 +5674,11 @@
 <file path=ppt/slides/slide3.xml><?xml version="1.0" encoding="utf-8"?>
 <p:sld xmlns:a="http://schemas.openxmlformats.org/drawingml/2006/main" xmlns:r="http://schemas.openxmlformats.org/officeDocument/2006/relationships" xmlns:p="http://schemas.openxmlformats.org/presentationml/2006/main" xmlns:m="http://schemas.openxmlformats.org/officeDocument/2006/math" xmlns:w="http://schemas.openxmlformats.org/wordprocessingml/2006/main" xmlns:mc="http://schemas.openxmlformats.org/markup-compatibility/2006" showMasterPhAnim="0" showMasterSp="1" show="1">
   <p:cSld name="">
+    <p:bg>
+      <p:bgPr shadeToTitle="0">
+        <a:noFill/>
+      </p:bgPr>
+    </p:bg>
     <p:spTree>
       <p:nvGrpSpPr>
         <p:cNvPr id="1" name=""/>
@@ -5140,46 +5695,189 @@
       </p:grpSpPr>
       <p:pic>
         <p:nvPicPr>
-          <p:cNvPr id="1380960287" name=""/>
+          <p:cNvPr id="86053159" name=""/>
           <p:cNvPicPr>
             <a:picLocks noChangeAspect="1"/>
           </p:cNvPicPr>
           <p:nvPr/>
         </p:nvPicPr>
         <p:blipFill>
-          <a:blip r:embed="rId3"/>
+          <a:blip r:embed="rId3">
+            <a:extLst>
+              <a:ext uri="{96DAC541-7B7A-43D3-8B79-37D633B846F1}">
+                <asvg:svgBlip xmlns:asvg="http://schemas.microsoft.com/office/drawing/2016/SVG/main" r:embed="rId4"/>
+              </a:ext>
+            </a:extLst>
+          </a:blip>
           <a:stretch/>
         </p:blipFill>
         <p:spPr bwMode="auto">
           <a:xfrm flipH="0" flipV="0">
-            <a:off x="0" y="0"/>
-            <a:ext cx="12191999" cy="6858000"/>
+            <a:off x="30690" y="2683295"/>
+            <a:ext cx="3496648" cy="3496648"/>
           </a:xfrm>
           <a:prstGeom prst="rect">
             <a:avLst/>
           </a:prstGeom>
         </p:spPr>
       </p:pic>
-      <p:sp>
-        <p:nvSpPr>
-          <p:cNvPr id="1487860885" name=""/>
+      <p:pic>
+        <p:nvPicPr>
+          <p:cNvPr id="1575167669" name=""/>
+          <p:cNvPicPr>
+            <a:picLocks noChangeAspect="1"/>
+          </p:cNvPicPr>
+          <p:nvPr/>
+        </p:nvPicPr>
+        <p:blipFill>
+          <a:blip r:embed="rId5"/>
+          <a:stretch/>
+        </p:blipFill>
+        <p:spPr bwMode="auto">
+          <a:xfrm rot="0" flipH="1" flipV="0">
+            <a:off x="6662700" y="2686936"/>
+            <a:ext cx="3493008" cy="3493008"/>
+          </a:xfrm>
+          <a:prstGeom prst="rect">
+            <a:avLst/>
+          </a:prstGeom>
+          <a:ln>
+            <a:noFill/>
+          </a:ln>
+        </p:spPr>
+      </p:pic>
+      <p:pic>
+        <p:nvPicPr>
+          <p:cNvPr id="2135533107" name=""/>
+          <p:cNvPicPr>
+            <a:picLocks noChangeAspect="1"/>
+          </p:cNvPicPr>
+          <p:nvPr/>
+        </p:nvPicPr>
+        <p:blipFill>
+          <a:blip r:embed="rId6">
+            <a:extLst>
+              <a:ext uri="{96DAC541-7B7A-43D3-8B79-37D633B846F1}">
+                <asvg:svgBlip xmlns:asvg="http://schemas.microsoft.com/office/drawing/2016/SVG/main" r:embed="rId7"/>
+              </a:ext>
+            </a:extLst>
+          </a:blip>
+          <a:stretch/>
+        </p:blipFill>
+        <p:spPr bwMode="auto">
+          <a:xfrm flipH="0" flipV="0">
+            <a:off x="4049654" y="775451"/>
+            <a:ext cx="2380236" cy="2380236"/>
+          </a:xfrm>
+          <a:prstGeom prst="rect">
+            <a:avLst/>
+          </a:prstGeom>
+        </p:spPr>
+      </p:pic>
+      <p:cxnSp>
+        <p:nvCxnSpPr>
+          <p:cNvPr id="0" name=""/>
+          <p:cNvCxnSpPr>
+            <a:cxnSpLocks/>
+          </p:cNvCxnSpPr>
+          <p:nvPr/>
+        </p:nvCxnSpPr>
+        <p:spPr bwMode="auto">
+          <a:xfrm flipH="0" flipV="1">
+            <a:off x="3124897" y="2347842"/>
+            <a:ext cx="1202184" cy="1089363"/>
+          </a:xfrm>
+          <a:prstGeom prst="line">
+            <a:avLst/>
+          </a:prstGeom>
+          <a:ln w="38099" cap="flat" cmpd="sng" algn="ctr">
+            <a:solidFill>
+              <a:srgbClr val="F0C987"/>
+            </a:solidFill>
+            <a:prstDash val="solid"/>
+            <a:miter lim="800000"/>
+            <a:tailEnd type="arrow" len="med"/>
+          </a:ln>
+        </p:spPr>
+        <p:style>
+          <a:lnRef idx="1">
+            <a:schemeClr val="accent1">
+              <a:shade val="50000"/>
+            </a:schemeClr>
+          </a:lnRef>
+          <a:fillRef idx="0">
+            <a:schemeClr val="accent1"/>
+          </a:fillRef>
+          <a:effectRef idx="0">
+            <a:schemeClr val="accent1"/>
+          </a:effectRef>
+          <a:fontRef idx="minor">
+            <a:schemeClr val="tx1"/>
+          </a:fontRef>
+        </p:style>
+      </p:cxnSp>
+      <p:cxnSp>
+        <p:nvCxnSpPr>
+          <p:cNvPr id="1690001203" name=""/>
+          <p:cNvCxnSpPr>
+            <a:cxnSpLocks/>
+          </p:cNvCxnSpPr>
+          <p:nvPr/>
+        </p:nvCxnSpPr>
+        <p:spPr bwMode="auto">
+          <a:xfrm flipH="0" flipV="0">
+            <a:off x="5828799" y="2347842"/>
+            <a:ext cx="1202184" cy="1089363"/>
+          </a:xfrm>
+          <a:prstGeom prst="line">
+            <a:avLst/>
+          </a:prstGeom>
+          <a:ln w="38099" cap="flat" cmpd="sng" algn="ctr">
+            <a:solidFill>
+              <a:srgbClr val="F0C987"/>
+            </a:solidFill>
+            <a:prstDash val="solid"/>
+            <a:miter lim="800000"/>
+            <a:tailEnd type="arrow" len="med"/>
+          </a:ln>
+        </p:spPr>
+        <p:style>
+          <a:lnRef idx="1">
+            <a:schemeClr val="accent1">
+              <a:shade val="50000"/>
+            </a:schemeClr>
+          </a:lnRef>
+          <a:fillRef idx="0">
+            <a:schemeClr val="accent1"/>
+          </a:fillRef>
+          <a:effectRef idx="0">
+            <a:schemeClr val="accent1"/>
+          </a:effectRef>
+          <a:fontRef idx="minor">
+            <a:schemeClr val="tx1"/>
+          </a:fontRef>
+        </p:style>
+      </p:cxnSp>
+      <p:sp>
+        <p:nvSpPr>
+          <p:cNvPr id="77405574" name=""/>
           <p:cNvSpPr/>
           <p:nvPr/>
         </p:nvSpPr>
         <p:spPr bwMode="auto">
           <a:xfrm flipH="0" flipV="0">
-            <a:off x="115273" y="1257669"/>
-            <a:ext cx="4064364" cy="4866903"/>
+            <a:off x="4924753" y="3437206"/>
+            <a:ext cx="448206" cy="2321705"/>
           </a:xfrm>
           <a:prstGeom prst="rect">
             <a:avLst/>
           </a:prstGeom>
-          <a:noFill/>
-          <a:ln w="57150" cap="flat" cmpd="sng" algn="ctr">
+          <a:solidFill>
+            <a:srgbClr val="8B687F"/>
+          </a:solidFill>
+          <a:ln w="12700" cap="flat" cmpd="sng" algn="ctr">
             <a:solidFill>
-              <a:srgbClr val="FFCA28">
-                <a:alpha val="99999"/>
-              </a:srgbClr>
+              <a:srgbClr val="8B687F"/>
             </a:solidFill>
             <a:prstDash val="solid"/>
             <a:miter lim="800000"/>
@@ -5207,9 +5905,50 @@
             <a:pPr algn="ctr">
               <a:defRPr/>
             </a:pPr>
-            <a:endParaRPr sz="2200" b="1">
+            <a:endParaRPr sz="2200">
+              <a:latin typeface="Montserrat"/>
+              <a:cs typeface="Montserrat"/>
+            </a:endParaRPr>
+          </a:p>
+        </p:txBody>
+      </p:sp>
+      <p:sp>
+        <p:nvSpPr>
+          <p:cNvPr id="21550079" name=""/>
+          <p:cNvSpPr txBox="1"/>
+          <p:nvPr/>
+        </p:nvSpPr>
+        <p:spPr bwMode="auto">
+          <a:xfrm flipH="0" flipV="0">
+            <a:off x="655798" y="5403932"/>
+            <a:ext cx="2246432" cy="427079"/>
+          </a:xfrm>
+          <a:prstGeom prst="rect">
+            <a:avLst/>
+          </a:prstGeom>
+          <a:noFill/>
+        </p:spPr>
+        <p:txBody>
+          <a:bodyPr vertOverflow="overflow" horzOverflow="overflow" vert="horz" wrap="square" lIns="91440" tIns="45720" rIns="91440" bIns="45720" numCol="1" spcCol="0" rtlCol="0" fromWordArt="0" anchor="ctr" anchorCtr="0" forceAA="0" upright="0" compatLnSpc="0">
+            <a:spAutoFit/>
+          </a:bodyPr>
+          <a:p>
+            <a:pPr algn="ctr">
+              <a:defRPr/>
+            </a:pPr>
+            <a:r>
+              <a:rPr sz="2200" b="1">
+                <a:solidFill>
+                  <a:srgbClr val="9CB7D4"/>
+                </a:solidFill>
+                <a:latin typeface="Montserrat"/>
+                <a:cs typeface="Montserrat"/>
+              </a:rPr>
+              <a:t>Transmitter</a:t>
+            </a:r>
+            <a:endParaRPr sz="2200" b="0">
               <a:solidFill>
-                <a:schemeClr val="tx1"/>
+                <a:srgbClr val="9CB7D4"/>
               </a:solidFill>
               <a:latin typeface="Montserrat"/>
               <a:cs typeface="Montserrat"/>
@@ -5219,25 +5958,65 @@
       </p:sp>
       <p:sp>
         <p:nvSpPr>
-          <p:cNvPr id="632454883" name=""/>
+          <p:cNvPr id="1007931295" name=""/>
+          <p:cNvSpPr txBox="1"/>
+          <p:nvPr/>
+        </p:nvSpPr>
+        <p:spPr bwMode="auto">
+          <a:xfrm flipH="0" flipV="0">
+            <a:off x="7284188" y="5405552"/>
+            <a:ext cx="2250031" cy="427079"/>
+          </a:xfrm>
+          <a:prstGeom prst="rect">
+            <a:avLst/>
+          </a:prstGeom>
+          <a:noFill/>
+        </p:spPr>
+        <p:txBody>
+          <a:bodyPr vertOverflow="overflow" horzOverflow="overflow" vert="horz" wrap="square" lIns="91440" tIns="45720" rIns="91440" bIns="45720" numCol="1" spcCol="0" rtlCol="0" fromWordArt="0" anchor="ctr" anchorCtr="0" forceAA="0" upright="0" compatLnSpc="0">
+            <a:spAutoFit/>
+          </a:bodyPr>
+          <a:p>
+            <a:pPr algn="ctr">
+              <a:defRPr/>
+            </a:pPr>
+            <a:r>
+              <a:rPr sz="2200" b="1">
+                <a:solidFill>
+                  <a:srgbClr val="9CB7D4"/>
+                </a:solidFill>
+                <a:latin typeface="Montserrat"/>
+                <a:cs typeface="Montserrat"/>
+              </a:rPr>
+              <a:t>Receiver</a:t>
+            </a:r>
+            <a:endParaRPr sz="2200" b="0">
+              <a:solidFill>
+                <a:srgbClr val="9CB7D4"/>
+              </a:solidFill>
+              <a:latin typeface="Montserrat"/>
+              <a:cs typeface="Montserrat"/>
+            </a:endParaRPr>
+          </a:p>
+        </p:txBody>
+      </p:sp>
+      <p:sp>
+        <p:nvSpPr>
+          <p:cNvPr id="122500045" name=""/>
           <p:cNvSpPr/>
           <p:nvPr/>
         </p:nvSpPr>
         <p:spPr bwMode="auto">
-          <a:xfrm flipH="0" flipV="0">
-            <a:off x="8042593" y="1257669"/>
-            <a:ext cx="3638548" cy="4866904"/>
+          <a:xfrm rot="19049345" flipH="0" flipV="0">
+            <a:off x="2843283" y="2622246"/>
+            <a:ext cx="1430320" cy="381898"/>
           </a:xfrm>
           <a:prstGeom prst="rect">
             <a:avLst/>
           </a:prstGeom>
           <a:noFill/>
-          <a:ln w="57150" cap="flat" cmpd="sng" algn="ctr">
-            <a:solidFill>
-              <a:srgbClr val="F0C987">
-                <a:alpha val="99999"/>
-              </a:srgbClr>
-            </a:solidFill>
+          <a:ln w="12700" cap="flat" cmpd="sng" algn="ctr">
+            <a:noFill/>
             <a:prstDash val="solid"/>
             <a:miter lim="800000"/>
           </a:ln>
@@ -5259,12 +6038,23 @@
           </a:fontRef>
         </p:style>
         <p:txBody>
-          <a:bodyPr vertOverflow="overflow" horzOverflow="overflow" vert="horz" wrap="square" lIns="91440" tIns="45720" rIns="91440" bIns="45720" numCol="1" spcCol="0" rtlCol="0" fromWordArt="0" anchor="ctr" anchorCtr="0" forceAA="0" upright="0" compatLnSpc="0"/>
+          <a:bodyPr/>
           <a:p>
             <a:pPr algn="ctr">
               <a:defRPr/>
             </a:pPr>
-            <a:endParaRPr sz="2200" b="1">
+            <a:r>
+              <a:rPr sz="2200">
+                <a:solidFill>
+                  <a:schemeClr val="tx1"/>
+                </a:solidFill>
+                <a:latin typeface="Montserrat"/>
+                <a:ea typeface="Montserrat"/>
+                <a:cs typeface="Montserrat"/>
+              </a:rPr>
+              <a:t>010110101</a:t>
+            </a:r>
+            <a:endParaRPr sz="2200">
               <a:solidFill>
                 <a:schemeClr val="tx1"/>
               </a:solidFill>
@@ -5276,25 +6066,21 @@
       </p:sp>
       <p:sp>
         <p:nvSpPr>
-          <p:cNvPr id="1955098819" name=""/>
+          <p:cNvPr id="1353231224" name=""/>
           <p:cNvSpPr/>
           <p:nvPr/>
         </p:nvSpPr>
         <p:spPr bwMode="auto">
-          <a:xfrm flipH="0" flipV="0">
-            <a:off x="4249125" y="3951612"/>
-            <a:ext cx="1655566" cy="2172961"/>
+          <a:xfrm rot="2572156" flipH="0" flipV="0">
+            <a:off x="5767693" y="2503489"/>
+            <a:ext cx="1430319" cy="381897"/>
           </a:xfrm>
           <a:prstGeom prst="rect">
             <a:avLst/>
           </a:prstGeom>
           <a:noFill/>
-          <a:ln w="57150" cap="flat" cmpd="sng" algn="ctr">
-            <a:solidFill>
-              <a:srgbClr val="00214E">
-                <a:alpha val="99999"/>
-              </a:srgbClr>
-            </a:solidFill>
+          <a:ln w="12700" cap="flat" cmpd="sng" algn="ctr">
+            <a:noFill/>
             <a:prstDash val="solid"/>
             <a:miter lim="800000"/>
           </a:ln>
@@ -5316,306 +6102,13 @@
           </a:fontRef>
         </p:style>
         <p:txBody>
-          <a:bodyPr vertOverflow="overflow" horzOverflow="overflow" vert="horz" wrap="square" lIns="91440" tIns="45720" rIns="91440" bIns="45720" numCol="1" spcCol="0" rtlCol="0" fromWordArt="0" anchor="ctr" anchorCtr="0" forceAA="0" upright="0" compatLnSpc="0"/>
+          <a:bodyPr/>
           <a:p>
             <a:pPr algn="ctr">
               <a:defRPr/>
             </a:pPr>
-            <a:endParaRPr sz="2200" b="1">
-              <a:solidFill>
-                <a:schemeClr val="tx1"/>
-              </a:solidFill>
-              <a:latin typeface="Montserrat"/>
-              <a:cs typeface="Montserrat"/>
-            </a:endParaRPr>
-          </a:p>
-        </p:txBody>
-      </p:sp>
-      <p:sp>
-        <p:nvSpPr>
-          <p:cNvPr id="865912492" name=""/>
-          <p:cNvSpPr/>
-          <p:nvPr/>
-        </p:nvSpPr>
-        <p:spPr bwMode="auto">
-          <a:xfrm flipH="0" flipV="0">
-            <a:off x="6315023" y="3951612"/>
-            <a:ext cx="1648850" cy="2172961"/>
-          </a:xfrm>
-          <a:prstGeom prst="rect">
-            <a:avLst/>
-          </a:prstGeom>
-          <a:noFill/>
-          <a:ln w="57150" cap="flat" cmpd="sng" algn="ctr">
-            <a:solidFill>
-              <a:srgbClr val="00214E">
-                <a:alpha val="99999"/>
-              </a:srgbClr>
-            </a:solidFill>
-            <a:prstDash val="solid"/>
-            <a:miter lim="800000"/>
-          </a:ln>
-        </p:spPr>
-        <p:style>
-          <a:lnRef idx="2">
-            <a:schemeClr val="accent1">
-              <a:shade val="50000"/>
-            </a:schemeClr>
-          </a:lnRef>
-          <a:fillRef idx="1">
-            <a:schemeClr val="accent1"/>
-          </a:fillRef>
-          <a:effectRef idx="0">
-            <a:schemeClr val="accent1"/>
-          </a:effectRef>
-          <a:fontRef idx="minor">
-            <a:schemeClr val="lt1"/>
-          </a:fontRef>
-        </p:style>
-        <p:txBody>
-          <a:bodyPr vertOverflow="overflow" horzOverflow="overflow" vert="horz" wrap="square" lIns="91440" tIns="45720" rIns="91440" bIns="45720" numCol="1" spcCol="0" rtlCol="0" fromWordArt="0" anchor="ctr" anchorCtr="0" forceAA="0" upright="0" compatLnSpc="0"/>
-          <a:p>
-            <a:pPr algn="ctr">
-              <a:defRPr/>
-            </a:pPr>
-            <a:endParaRPr sz="2200" b="1">
-              <a:solidFill>
-                <a:schemeClr val="tx1"/>
-              </a:solidFill>
-              <a:latin typeface="Montserrat"/>
-              <a:cs typeface="Montserrat"/>
-            </a:endParaRPr>
-          </a:p>
-        </p:txBody>
-      </p:sp>
-      <p:sp>
-        <p:nvSpPr>
-          <p:cNvPr id="1497656747" name=""/>
-          <p:cNvSpPr txBox="1"/>
-          <p:nvPr/>
-        </p:nvSpPr>
-        <p:spPr bwMode="auto">
-          <a:xfrm flipH="0" flipV="0">
-            <a:off x="242526" y="6362698"/>
-            <a:ext cx="11709823" cy="427079"/>
-          </a:xfrm>
-          <a:prstGeom prst="rect">
-            <a:avLst/>
-          </a:prstGeom>
-          <a:noFill/>
-        </p:spPr>
-        <p:txBody>
-          <a:bodyPr vertOverflow="overflow" horzOverflow="overflow" vert="horz" wrap="square" lIns="91440" tIns="45720" rIns="91440" bIns="45720" numCol="1" spcCol="0" rtlCol="0" fromWordArt="0" anchor="t" anchorCtr="0" forceAA="0" upright="0" compatLnSpc="0">
-            <a:spAutoFit/>
-          </a:bodyPr>
-          <a:p>
-            <a:pPr algn="ctr">
-              <a:defRPr/>
-            </a:pPr>
-            <a:r>
-              <a:rPr sz="2200" b="1">
-                <a:solidFill>
-                  <a:srgbClr val="00214E"/>
-                </a:solidFill>
-                <a:latin typeface="Montserrat"/>
-                <a:ea typeface="Montserrat"/>
-                <a:cs typeface="Montserrat"/>
-              </a:rPr>
-              <a:t>— USRP</a:t>
-            </a:r>
-            <a:r>
-              <a:rPr sz="2200" b="1">
-                <a:solidFill>
-                  <a:srgbClr val="5DB2E6"/>
-                </a:solidFill>
-                <a:latin typeface="Montserrat"/>
-                <a:cs typeface="Montserrat"/>
-              </a:rPr>
-              <a:t> </a:t>
-            </a:r>
-            <a:r>
-              <a:rPr sz="2200" b="1">
-                <a:solidFill>
-                  <a:srgbClr val="5DB2E6"/>
-                </a:solidFill>
-                <a:latin typeface="Montserrat"/>
-                <a:cs typeface="Montserrat"/>
-              </a:rPr>
-              <a:t>  </a:t>
-            </a:r>
-            <a:r>
-              <a:rPr sz="2200" b="1">
-                <a:solidFill>
-                  <a:srgbClr val="F0C987"/>
-                </a:solidFill>
-                <a:latin typeface="Montserrat"/>
-                <a:cs typeface="Montserrat"/>
-              </a:rPr>
-              <a:t>— Computer</a:t>
-            </a:r>
-            <a:r>
-              <a:rPr sz="2200" b="1">
-                <a:solidFill>
-                  <a:srgbClr val="F0C987"/>
-                </a:solidFill>
-                <a:latin typeface="Montserrat"/>
-                <a:cs typeface="Montserrat"/>
-              </a:rPr>
-              <a:t> </a:t>
-            </a:r>
-            <a:r>
-              <a:rPr sz="2200" b="1">
-                <a:solidFill>
-                  <a:srgbClr val="5DB2E6"/>
-                </a:solidFill>
-                <a:latin typeface="Montserrat"/>
-                <a:cs typeface="Montserrat"/>
-              </a:rPr>
-              <a:t>  </a:t>
-            </a:r>
-            <a:r>
-              <a:rPr sz="2200" b="1">
-                <a:solidFill>
-                  <a:srgbClr val="9CB7D4"/>
-                </a:solidFill>
-                <a:latin typeface="Montserrat"/>
-                <a:cs typeface="Montserrat"/>
-              </a:rPr>
-              <a:t>—</a:t>
-            </a:r>
-            <a:r>
-              <a:rPr sz="2200" b="1">
-                <a:solidFill>
-                  <a:srgbClr val="9CB7D4"/>
-                </a:solidFill>
-                <a:latin typeface="Montserrat"/>
-                <a:cs typeface="Montserrat"/>
-              </a:rPr>
-              <a:t> Clock</a:t>
-            </a:r>
-            <a:r>
-              <a:rPr sz="2200" b="1">
-                <a:solidFill>
-                  <a:srgbClr val="9CB7D4"/>
-                </a:solidFill>
-                <a:latin typeface="Montserrat"/>
-                <a:cs typeface="Montserrat"/>
-              </a:rPr>
-              <a:t>    </a:t>
-            </a:r>
-            <a:r>
-              <a:rPr sz="2200" b="1">
-                <a:solidFill>
-                  <a:srgbClr val="B5DBAB"/>
-                </a:solidFill>
-                <a:latin typeface="Montserrat"/>
-                <a:cs typeface="Montserrat"/>
-              </a:rPr>
-              <a:t>    </a:t>
-            </a:r>
-            <a:r>
-              <a:rPr sz="2200" b="1">
-                <a:solidFill>
-                  <a:srgbClr val="9CB7D4"/>
-                </a:solidFill>
-                <a:latin typeface="Montserrat"/>
-                <a:cs typeface="Montserrat"/>
-              </a:rPr>
-              <a:t>    </a:t>
-            </a:r>
-            <a:endParaRPr sz="2200" b="1">
-              <a:solidFill>
-                <a:srgbClr val="9CB7D4"/>
-              </a:solidFill>
-              <a:latin typeface="Montserrat"/>
-              <a:cs typeface="Montserrat"/>
-            </a:endParaRPr>
-          </a:p>
-        </p:txBody>
-      </p:sp>
-      <p:sp>
-        <p:nvSpPr>
-          <p:cNvPr id="778439986" name=""/>
-          <p:cNvSpPr/>
-          <p:nvPr/>
-        </p:nvSpPr>
-        <p:spPr bwMode="auto">
-          <a:xfrm flipH="0" flipV="0">
-            <a:off x="4951165" y="2770512"/>
-            <a:ext cx="2469783" cy="800118"/>
-          </a:xfrm>
-          <a:prstGeom prst="rect">
-            <a:avLst/>
-          </a:prstGeom>
-          <a:noFill/>
-          <a:ln w="57150" cap="flat" cmpd="sng" algn="ctr">
-            <a:solidFill>
-              <a:srgbClr val="9CB7D4">
-                <a:alpha val="99999"/>
-              </a:srgbClr>
-            </a:solidFill>
-            <a:prstDash val="solid"/>
-            <a:miter lim="800000"/>
-          </a:ln>
-        </p:spPr>
-        <p:style>
-          <a:lnRef idx="2">
-            <a:schemeClr val="accent1">
-              <a:shade val="50000"/>
-            </a:schemeClr>
-          </a:lnRef>
-          <a:fillRef idx="1">
-            <a:schemeClr val="accent1"/>
-          </a:fillRef>
-          <a:effectRef idx="0">
-            <a:schemeClr val="accent1"/>
-          </a:effectRef>
-          <a:fontRef idx="minor">
-            <a:schemeClr val="lt1"/>
-          </a:fontRef>
-        </p:style>
-        <p:txBody>
-          <a:bodyPr vertOverflow="overflow" horzOverflow="overflow" vert="horz" wrap="square" lIns="91440" tIns="45720" rIns="91440" bIns="45720" numCol="1" spcCol="0" rtlCol="0" fromWordArt="0" anchor="ctr" anchorCtr="0" forceAA="0" upright="0" compatLnSpc="0"/>
-          <a:p>
-            <a:pPr algn="ctr">
-              <a:defRPr/>
-            </a:pPr>
-            <a:endParaRPr sz="2200" b="1">
-              <a:solidFill>
-                <a:schemeClr val="tx1"/>
-              </a:solidFill>
-              <a:latin typeface="Montserrat"/>
-              <a:cs typeface="Montserrat"/>
-            </a:endParaRPr>
-          </a:p>
-        </p:txBody>
-      </p:sp>
-      <p:sp>
-        <p:nvSpPr>
-          <p:cNvPr id="1451860890" name=""/>
-          <p:cNvSpPr txBox="1"/>
-          <p:nvPr/>
-        </p:nvSpPr>
-        <p:spPr bwMode="auto">
-          <a:xfrm flipH="0" flipV="0">
-            <a:off x="873939" y="891549"/>
-            <a:ext cx="2552794" cy="366120"/>
-          </a:xfrm>
-          <a:prstGeom prst="rect">
-            <a:avLst/>
-          </a:prstGeom>
-          <a:noFill/>
-        </p:spPr>
-        <p:txBody>
-          <a:bodyPr vertOverflow="overflow" horzOverflow="overflow" vert="horz" wrap="square" lIns="91440" tIns="45720" rIns="91440" bIns="45720" numCol="1" spcCol="0" rtlCol="0" fromWordArt="0" anchor="t" anchorCtr="0" forceAA="0" upright="0" compatLnSpc="0">
-            <a:spAutoFit/>
-          </a:bodyPr>
-          <a:p>
-            <a:pPr algn="ctr">
-              <a:defRPr/>
-            </a:pPr>
-            <a:r>
-              <a:rPr b="1">
+            <a:r>
+              <a:rPr sz="2200">
                 <a:solidFill>
                   <a:schemeClr val="tx1"/>
                 </a:solidFill>
@@ -5623,9 +6116,9 @@
                 <a:ea typeface="Montserrat"/>
                 <a:cs typeface="Montserrat"/>
               </a:rPr>
-              <a:t>Transmission</a:t>
-            </a:r>
-            <a:endParaRPr sz="2200" b="1">
+              <a:t>010110101</a:t>
+            </a:r>
+            <a:endParaRPr sz="2200">
               <a:solidFill>
                 <a:schemeClr val="tx1"/>
               </a:solidFill>
@@ -5635,51 +6128,146 @@
           </a:p>
         </p:txBody>
       </p:sp>
-      <p:sp>
-        <p:nvSpPr>
-          <p:cNvPr id="1267418585" name=""/>
-          <p:cNvSpPr txBox="1"/>
-          <p:nvPr/>
-        </p:nvSpPr>
+      <p:pic>
+        <p:nvPicPr>
+          <p:cNvPr id="624984267" name=""/>
+          <p:cNvPicPr>
+            <a:picLocks noChangeAspect="1"/>
+          </p:cNvPicPr>
+          <p:nvPr/>
+        </p:nvPicPr>
+        <p:blipFill>
+          <a:blip r:embed="rId8">
+            <a:extLst>
+              <a:ext uri="{96DAC541-7B7A-43D3-8B79-37D633B846F1}">
+                <asvg:svgBlip xmlns:asvg="http://schemas.microsoft.com/office/drawing/2016/SVG/main" r:embed="rId9"/>
+              </a:ext>
+            </a:extLst>
+          </a:blip>
+          <a:stretch/>
+        </p:blipFill>
         <p:spPr bwMode="auto">
           <a:xfrm flipH="0" flipV="0">
-            <a:off x="8582771" y="891549"/>
-            <a:ext cx="2558193" cy="366120"/>
+            <a:off x="10357501" y="4043437"/>
+            <a:ext cx="980626" cy="980626"/>
           </a:xfrm>
           <a:prstGeom prst="rect">
             <a:avLst/>
           </a:prstGeom>
-          <a:noFill/>
-        </p:spPr>
-        <p:txBody>
-          <a:bodyPr vertOverflow="overflow" horzOverflow="overflow" vert="horz" wrap="square" lIns="91440" tIns="45720" rIns="91440" bIns="45720" numCol="1" spcCol="0" rtlCol="0" fromWordArt="0" anchor="t" anchorCtr="0" forceAA="0" upright="0" compatLnSpc="0">
-            <a:spAutoFit/>
-          </a:bodyPr>
-          <a:p>
-            <a:pPr algn="ctr">
-              <a:defRPr/>
-            </a:pPr>
-            <a:r>
-              <a:rPr b="1">
-                <a:solidFill>
-                  <a:schemeClr val="tx1"/>
-                </a:solidFill>
-                <a:latin typeface="Montserrat"/>
-                <a:ea typeface="Montserrat"/>
-                <a:cs typeface="Montserrat"/>
-              </a:rPr>
-              <a:t>Reception</a:t>
-            </a:r>
-            <a:endParaRPr sz="2200" b="1">
-              <a:solidFill>
-                <a:schemeClr val="tx1"/>
-              </a:solidFill>
-              <a:latin typeface="Montserrat"/>
-              <a:cs typeface="Montserrat"/>
-            </a:endParaRPr>
-          </a:p>
-        </p:txBody>
-      </p:sp>
+        </p:spPr>
+      </p:pic>
+      <p:pic>
+        <p:nvPicPr>
+          <p:cNvPr id="1269311489" name=""/>
+          <p:cNvPicPr>
+            <a:picLocks noChangeAspect="1"/>
+          </p:cNvPicPr>
+          <p:nvPr/>
+        </p:nvPicPr>
+        <p:blipFill>
+          <a:blip r:embed="rId10">
+            <a:extLst>
+              <a:ext uri="{96DAC541-7B7A-43D3-8B79-37D633B846F1}">
+                <asvg:svgBlip xmlns:asvg="http://schemas.microsoft.com/office/drawing/2016/SVG/main" r:embed="rId11"/>
+              </a:ext>
+            </a:extLst>
+          </a:blip>
+          <a:stretch/>
+        </p:blipFill>
+        <p:spPr bwMode="auto">
+          <a:xfrm flipH="0" flipV="0">
+            <a:off x="10356252" y="5102621"/>
+            <a:ext cx="939060" cy="939060"/>
+          </a:xfrm>
+          <a:prstGeom prst="rect">
+            <a:avLst/>
+          </a:prstGeom>
+        </p:spPr>
+      </p:pic>
+      <p:cxnSp>
+        <p:nvCxnSpPr>
+          <p:cNvPr id="829757024" name=""/>
+          <p:cNvCxnSpPr>
+            <a:cxnSpLocks/>
+          </p:cNvCxnSpPr>
+          <p:nvPr/>
+        </p:nvCxnSpPr>
+        <p:spPr bwMode="auto">
+          <a:xfrm rot="0" flipH="0" flipV="1">
+            <a:off x="9534220" y="4533751"/>
+            <a:ext cx="807451" cy="477196"/>
+          </a:xfrm>
+          <a:prstGeom prst="line">
+            <a:avLst/>
+          </a:prstGeom>
+          <a:ln w="38099" cap="flat" cmpd="sng" algn="ctr">
+            <a:solidFill>
+              <a:srgbClr val="F0C987"/>
+            </a:solidFill>
+            <a:prstDash val="solid"/>
+            <a:miter lim="800000"/>
+            <a:tailEnd type="arrow" len="med"/>
+          </a:ln>
+        </p:spPr>
+        <p:style>
+          <a:lnRef idx="1">
+            <a:schemeClr val="accent1">
+              <a:shade val="50000"/>
+            </a:schemeClr>
+          </a:lnRef>
+          <a:fillRef idx="0">
+            <a:schemeClr val="accent1"/>
+          </a:fillRef>
+          <a:effectRef idx="0">
+            <a:schemeClr val="accent1"/>
+          </a:effectRef>
+          <a:fontRef idx="minor">
+            <a:schemeClr val="tx1"/>
+          </a:fontRef>
+        </p:style>
+      </p:cxnSp>
+      <p:cxnSp>
+        <p:nvCxnSpPr>
+          <p:cNvPr id="1757953582" name=""/>
+          <p:cNvCxnSpPr>
+            <a:cxnSpLocks/>
+          </p:cNvCxnSpPr>
+          <p:nvPr/>
+        </p:nvCxnSpPr>
+        <p:spPr bwMode="auto">
+          <a:xfrm rot="0" flipH="0" flipV="0">
+            <a:off x="9535471" y="5024064"/>
+            <a:ext cx="806200" cy="548087"/>
+          </a:xfrm>
+          <a:prstGeom prst="line">
+            <a:avLst/>
+          </a:prstGeom>
+          <a:ln w="38099" cap="flat" cmpd="sng" algn="ctr">
+            <a:solidFill>
+              <a:srgbClr val="F0C987"/>
+            </a:solidFill>
+            <a:prstDash val="solid"/>
+            <a:miter lim="800000"/>
+            <a:tailEnd type="arrow" len="med"/>
+          </a:ln>
+        </p:spPr>
+        <p:style>
+          <a:lnRef idx="1">
+            <a:schemeClr val="accent1">
+              <a:shade val="50000"/>
+            </a:schemeClr>
+          </a:lnRef>
+          <a:fillRef idx="0">
+            <a:schemeClr val="accent1"/>
+          </a:fillRef>
+          <a:effectRef idx="0">
+            <a:schemeClr val="accent1"/>
+          </a:effectRef>
+          <a:fontRef idx="minor">
+            <a:schemeClr val="tx1"/>
+          </a:fontRef>
+        </p:style>
+      </p:cxnSp>
     </p:spTree>
   </p:cSld>
   <p:clrMapOvr>
@@ -5715,26 +6303,24 @@
       </p:grpSpPr>
       <p:sp>
         <p:nvSpPr>
-          <p:cNvPr id="1184234590" name=""/>
+          <p:cNvPr id="1424726312" name=""/>
           <p:cNvSpPr/>
           <p:nvPr/>
         </p:nvSpPr>
         <p:spPr bwMode="auto">
           <a:xfrm flipH="0" flipV="0">
-            <a:off x="5604526" y="83306"/>
-            <a:ext cx="1269633" cy="740787"/>
+            <a:off x="688420" y="4240037"/>
+            <a:ext cx="11570253" cy="1314509"/>
           </a:xfrm>
           <a:prstGeom prst="rect">
             <a:avLst/>
           </a:prstGeom>
-          <a:noFill/>
-          <a:ln w="76199" cap="flat" cmpd="sng" algn="ctr">
-            <a:solidFill>
-              <a:srgbClr val="9CB7D4">
-                <a:alpha val="99999"/>
-              </a:srgbClr>
-            </a:solidFill>
-            <a:prstDash val="sysDash"/>
+          <a:solidFill>
+            <a:srgbClr val="EDF4FA"/>
+          </a:solidFill>
+          <a:ln w="12700" cap="flat" cmpd="sng" algn="ctr">
+            <a:noFill/>
+            <a:prstDash val="solid"/>
             <a:miter lim="800000"/>
           </a:ln>
         </p:spPr>
@@ -5757,11 +6343,11 @@
         <p:txBody>
           <a:bodyPr vertOverflow="overflow" horzOverflow="overflow" vert="horz" wrap="square" lIns="91440" tIns="45720" rIns="91440" bIns="45720" numCol="1" spcCol="0" rtlCol="0" fromWordArt="0" anchor="ctr" anchorCtr="0" forceAA="0" upright="0" compatLnSpc="0"/>
           <a:p>
-            <a:pPr algn="ctr">
-              <a:defRPr/>
-            </a:pPr>
-            <a:r>
-              <a:rPr sz="2200">
+            <a:pPr algn="l">
+              <a:defRPr/>
+            </a:pPr>
+            <a:r>
+              <a:rPr lang="en-US" sz="2200" b="1" i="0" u="none" strike="noStrike" cap="none" spc="0">
                 <a:solidFill>
                   <a:schemeClr val="tx1"/>
                 </a:solidFill>
@@ -5769,7 +6355,7 @@
                 <a:ea typeface="Montserrat"/>
                 <a:cs typeface="Montserrat"/>
               </a:rPr>
-              <a:t>Input signal</a:t>
+              <a:t> Communication</a:t>
             </a:r>
             <a:endParaRPr sz="2200" b="1">
               <a:solidFill>
@@ -5783,19 +6369,87 @@
       </p:sp>
       <p:sp>
         <p:nvSpPr>
-          <p:cNvPr id="90323056" name=""/>
+          <p:cNvPr id="1175834150" name=""/>
           <p:cNvSpPr/>
           <p:nvPr/>
         </p:nvSpPr>
         <p:spPr bwMode="auto">
           <a:xfrm flipH="0" flipV="0">
-            <a:off x="4996078" y="1114425"/>
-            <a:ext cx="2486530" cy="1025197"/>
+            <a:off x="688421" y="1186423"/>
+            <a:ext cx="11500337" cy="1314510"/>
           </a:xfrm>
           <a:prstGeom prst="rect">
             <a:avLst/>
           </a:prstGeom>
-          <a:noFill/>
+          <a:solidFill>
+            <a:srgbClr val="EDF4FA"/>
+          </a:solidFill>
+          <a:ln w="12700" cap="flat" cmpd="sng" algn="ctr">
+            <a:noFill/>
+            <a:prstDash val="solid"/>
+            <a:miter lim="800000"/>
+          </a:ln>
+        </p:spPr>
+        <p:style>
+          <a:lnRef idx="2">
+            <a:schemeClr val="accent1">
+              <a:shade val="50000"/>
+            </a:schemeClr>
+          </a:lnRef>
+          <a:fillRef idx="1">
+            <a:schemeClr val="accent1"/>
+          </a:fillRef>
+          <a:effectRef idx="0">
+            <a:schemeClr val="accent1"/>
+          </a:effectRef>
+          <a:fontRef idx="minor">
+            <a:schemeClr val="lt1"/>
+          </a:fontRef>
+        </p:style>
+        <p:txBody>
+          <a:bodyPr vertOverflow="overflow" horzOverflow="overflow" vert="horz" wrap="square" lIns="91440" tIns="45720" rIns="91440" bIns="45720" numCol="1" spcCol="0" rtlCol="0" fromWordArt="0" anchor="ctr" anchorCtr="0" forceAA="0" upright="0" compatLnSpc="0"/>
+          <a:p>
+            <a:pPr algn="l">
+              <a:defRPr/>
+            </a:pPr>
+            <a:r>
+              <a:rPr sz="2200" b="1">
+                <a:solidFill>
+                  <a:schemeClr val="tx1"/>
+                </a:solidFill>
+                <a:latin typeface="Montserrat"/>
+                <a:ea typeface="Montserrat"/>
+                <a:cs typeface="Montserrat"/>
+              </a:rPr>
+              <a:t> RADAR</a:t>
+            </a:r>
+            <a:endParaRPr sz="2200" b="1">
+              <a:solidFill>
+                <a:schemeClr val="tx1"/>
+              </a:solidFill>
+              <a:latin typeface="Montserrat"/>
+              <a:cs typeface="Montserrat"/>
+            </a:endParaRPr>
+          </a:p>
+        </p:txBody>
+      </p:sp>
+      <p:sp>
+        <p:nvSpPr>
+          <p:cNvPr id="186053330" name=""/>
+          <p:cNvSpPr/>
+          <p:nvPr/>
+        </p:nvSpPr>
+        <p:spPr bwMode="auto">
+          <a:xfrm flipH="0" flipV="0">
+            <a:off x="2088115" y="2912257"/>
+            <a:ext cx="2486529" cy="1025195"/>
+          </a:xfrm>
+          <a:prstGeom prst="rect">
+            <a:avLst/>
+          </a:prstGeom>
+          <a:solidFill>
+            <a:schemeClr val="bg1"/>
+          </a:solidFill>
           <a:ln w="76199" cap="flat" cmpd="sng" algn="ctr">
             <a:solidFill>
               <a:srgbClr val="00214E">
@@ -5851,14 +6505,14 @@
       </p:sp>
       <p:sp>
         <p:nvSpPr>
-          <p:cNvPr id="212647412" name=""/>
+          <p:cNvPr id="1473790560" name=""/>
           <p:cNvSpPr/>
           <p:nvPr/>
         </p:nvSpPr>
         <p:spPr bwMode="auto">
           <a:xfrm flipH="0" flipV="0">
-            <a:off x="7905712" y="3671360"/>
-            <a:ext cx="2486530" cy="1025197"/>
+            <a:off x="7860852" y="4450750"/>
+            <a:ext cx="2486529" cy="1025195"/>
           </a:xfrm>
           <a:prstGeom prst="rect">
             <a:avLst/>
@@ -5919,19 +6573,21 @@
       </p:sp>
       <p:sp>
         <p:nvSpPr>
-          <p:cNvPr id="111102473" name=""/>
+          <p:cNvPr id="875930569" name=""/>
           <p:cNvSpPr/>
           <p:nvPr/>
         </p:nvSpPr>
         <p:spPr bwMode="auto">
           <a:xfrm flipH="0" flipV="0">
-            <a:off x="7905712" y="4938921"/>
-            <a:ext cx="2486530" cy="1025197"/>
+            <a:off x="7847733" y="2912257"/>
+            <a:ext cx="2486529" cy="1025195"/>
           </a:xfrm>
           <a:prstGeom prst="rect">
             <a:avLst/>
           </a:prstGeom>
-          <a:noFill/>
+          <a:solidFill>
+            <a:schemeClr val="bg1"/>
+          </a:solidFill>
           <a:ln w="76199" cap="flat" cmpd="sng" algn="ctr">
             <a:solidFill>
               <a:srgbClr val="5DB4E6">
@@ -5973,7 +6629,7 @@
                 <a:ea typeface="Montserrat"/>
                 <a:cs typeface="Montserrat"/>
               </a:rPr>
-              <a:t>Symbol/bit extraction</a:t>
+              <a:t>OFDM channel estimation</a:t>
             </a:r>
             <a:endParaRPr sz="2200" b="1">
               <a:solidFill>
@@ -5987,82 +6643,14 @@
       </p:sp>
       <p:sp>
         <p:nvSpPr>
-          <p:cNvPr id="1933921906" name=""/>
+          <p:cNvPr id="166966109" name=""/>
           <p:cNvSpPr/>
           <p:nvPr/>
         </p:nvSpPr>
         <p:spPr bwMode="auto">
           <a:xfrm flipH="0" flipV="0">
-            <a:off x="4996078" y="2403801"/>
-            <a:ext cx="2486530" cy="1025197"/>
-          </a:xfrm>
-          <a:prstGeom prst="rect">
-            <a:avLst/>
-          </a:prstGeom>
-          <a:noFill/>
-          <a:ln w="76199" cap="flat" cmpd="sng" algn="ctr">
-            <a:solidFill>
-              <a:srgbClr val="F0C987">
-                <a:alpha val="99999"/>
-              </a:srgbClr>
-            </a:solidFill>
-            <a:prstDash val="solid"/>
-            <a:miter lim="800000"/>
-          </a:ln>
-        </p:spPr>
-        <p:style>
-          <a:lnRef idx="2">
-            <a:schemeClr val="accent1">
-              <a:shade val="50000"/>
-            </a:schemeClr>
-          </a:lnRef>
-          <a:fillRef idx="1">
-            <a:schemeClr val="accent1"/>
-          </a:fillRef>
-          <a:effectRef idx="0">
-            <a:schemeClr val="accent1"/>
-          </a:effectRef>
-          <a:fontRef idx="minor">
-            <a:schemeClr val="lt1"/>
-          </a:fontRef>
-        </p:style>
-        <p:txBody>
-          <a:bodyPr vertOverflow="overflow" horzOverflow="overflow" vert="horz" wrap="square" lIns="91440" tIns="45720" rIns="91440" bIns="45720" numCol="1" spcCol="0" rtlCol="0" fromWordArt="0" anchor="ctr" anchorCtr="0" forceAA="0" upright="0" compatLnSpc="0"/>
-          <a:p>
-            <a:pPr algn="ctr">
-              <a:defRPr/>
-            </a:pPr>
-            <a:r>
-              <a:rPr sz="2200" b="0">
-                <a:solidFill>
-                  <a:schemeClr val="tx1"/>
-                </a:solidFill>
-                <a:latin typeface="Montserrat"/>
-                <a:ea typeface="Montserrat"/>
-                <a:cs typeface="Montserrat"/>
-              </a:rPr>
-              <a:t>OFDM demodulation</a:t>
-            </a:r>
-            <a:endParaRPr sz="2200" b="1">
-              <a:solidFill>
-                <a:schemeClr val="tx1"/>
-              </a:solidFill>
-              <a:latin typeface="Montserrat"/>
-              <a:cs typeface="Montserrat"/>
-            </a:endParaRPr>
-          </a:p>
-        </p:txBody>
-      </p:sp>
-      <p:sp>
-        <p:nvSpPr>
-          <p:cNvPr id="873006591" name=""/>
-          <p:cNvSpPr/>
-          <p:nvPr/>
-        </p:nvSpPr>
-        <p:spPr bwMode="auto">
-          <a:xfrm flipH="0" flipV="0">
-            <a:off x="4996078" y="3671360"/>
-            <a:ext cx="2486530" cy="1025197"/>
+            <a:off x="7847733" y="1375296"/>
+            <a:ext cx="2486529" cy="1025195"/>
           </a:xfrm>
           <a:prstGeom prst="rect">
             <a:avLst/>
@@ -6106,77 +6694,9 @@
                   <a:schemeClr val="tx1"/>
                 </a:solidFill>
                 <a:latin typeface="Montserrat"/>
-                <a:ea typeface="Montserrat"/>
                 <a:cs typeface="Montserrat"/>
               </a:rPr>
-              <a:t>OFDM channel estimation</a:t>
-            </a:r>
-            <a:endParaRPr sz="2200" b="1">
-              <a:solidFill>
-                <a:schemeClr val="tx1"/>
-              </a:solidFill>
-              <a:latin typeface="Montserrat"/>
-              <a:cs typeface="Montserrat"/>
-            </a:endParaRPr>
-          </a:p>
-        </p:txBody>
-      </p:sp>
-      <p:sp>
-        <p:nvSpPr>
-          <p:cNvPr id="1556232222" name=""/>
-          <p:cNvSpPr/>
-          <p:nvPr/>
-        </p:nvSpPr>
-        <p:spPr bwMode="auto">
-          <a:xfrm flipH="0" flipV="0">
-            <a:off x="2067393" y="3693178"/>
-            <a:ext cx="2486530" cy="1025197"/>
-          </a:xfrm>
-          <a:prstGeom prst="rect">
-            <a:avLst/>
-          </a:prstGeom>
-          <a:noFill/>
-          <a:ln w="76199" cap="flat" cmpd="sng" algn="ctr">
-            <a:solidFill>
-              <a:srgbClr val="9CB7D4">
-                <a:alpha val="99999"/>
-              </a:srgbClr>
-            </a:solidFill>
-            <a:prstDash val="solid"/>
-            <a:miter lim="800000"/>
-          </a:ln>
-        </p:spPr>
-        <p:style>
-          <a:lnRef idx="2">
-            <a:schemeClr val="accent1">
-              <a:shade val="50000"/>
-            </a:schemeClr>
-          </a:lnRef>
-          <a:fillRef idx="1">
-            <a:schemeClr val="accent1"/>
-          </a:fillRef>
-          <a:effectRef idx="0">
-            <a:schemeClr val="accent1"/>
-          </a:effectRef>
-          <a:fontRef idx="minor">
-            <a:schemeClr val="lt1"/>
-          </a:fontRef>
-        </p:style>
-        <p:txBody>
-          <a:bodyPr vertOverflow="overflow" horzOverflow="overflow" vert="horz" wrap="square" lIns="91440" tIns="45720" rIns="91440" bIns="45720" numCol="1" spcCol="0" rtlCol="0" fromWordArt="0" anchor="ctr" anchorCtr="0" forceAA="0" upright="0" compatLnSpc="0"/>
-          <a:p>
-            <a:pPr algn="ctr">
-              <a:defRPr/>
-            </a:pPr>
-            <a:r>
-              <a:rPr sz="2200" b="0">
-                <a:solidFill>
-                  <a:schemeClr val="tx1"/>
-                </a:solidFill>
-                <a:latin typeface="Montserrat"/>
-                <a:cs typeface="Montserrat"/>
-              </a:rPr>
-              <a:t>Delay/Doppler map creation</a:t>
+              <a:t>Delay/Doppler</a:t>
             </a:r>
             <a:endParaRPr sz="2200" b="0">
               <a:solidFill>
@@ -6190,16 +6710,16 @@
       </p:sp>
       <p:cxnSp>
         <p:nvCxnSpPr>
-          <p:cNvPr id="0" name=""/>
+          <p:cNvPr id="472042297" name=""/>
           <p:cNvCxnSpPr>
             <a:cxnSpLocks/>
           </p:cNvCxnSpPr>
           <p:nvPr/>
         </p:nvCxnSpPr>
         <p:spPr bwMode="auto">
-          <a:xfrm rot="5399976" flipH="0" flipV="0">
-            <a:off x="6151930" y="961415"/>
-            <a:ext cx="174826" cy="0"/>
+          <a:xfrm rot="16199969" flipH="0" flipV="1">
+            <a:off x="8920280" y="2671651"/>
+            <a:ext cx="341433" cy="0"/>
           </a:xfrm>
           <a:prstGeom prst="line">
             <a:avLst/>
@@ -6232,16 +6752,53 @@
       </p:cxnSp>
       <p:cxnSp>
         <p:nvCxnSpPr>
-          <p:cNvPr id="1744026279" name=""/>
+          <p:cNvPr id="1260495600" name=""/>
           <p:cNvCxnSpPr>
             <a:cxnSpLocks/>
           </p:cNvCxnSpPr>
           <p:nvPr/>
         </p:nvCxnSpPr>
         <p:spPr bwMode="auto">
-          <a:xfrm rot="5399976" flipH="0" flipV="0">
-            <a:off x="6151930" y="2248852"/>
-            <a:ext cx="174825" cy="0"/>
+          <a:xfrm flipH="0" flipV="0">
+            <a:off x="2871597" y="1110285"/>
+            <a:ext cx="0" cy="0"/>
+          </a:xfrm>
+          <a:prstGeom prst="line">
+            <a:avLst/>
+          </a:prstGeom>
+          <a:ln>
+            <a:tailEnd type="arrow" len="med"/>
+          </a:ln>
+        </p:spPr>
+        <p:style>
+          <a:lnRef idx="1">
+            <a:schemeClr val="accent1">
+              <a:shade val="50000"/>
+            </a:schemeClr>
+          </a:lnRef>
+          <a:fillRef idx="0">
+            <a:schemeClr val="accent1"/>
+          </a:fillRef>
+          <a:effectRef idx="0">
+            <a:schemeClr val="accent1"/>
+          </a:effectRef>
+          <a:fontRef idx="minor">
+            <a:schemeClr val="tx1"/>
+          </a:fontRef>
+        </p:style>
+      </p:cxnSp>
+      <p:cxnSp>
+        <p:nvCxnSpPr>
+          <p:cNvPr id="367774614" name=""/>
+          <p:cNvCxnSpPr>
+            <a:cxnSpLocks/>
+          </p:cNvCxnSpPr>
+          <p:nvPr/>
+        </p:nvCxnSpPr>
+        <p:spPr bwMode="auto">
+          <a:xfrm rot="0" flipH="0" flipV="0">
+            <a:off x="4629075" y="3423780"/>
+            <a:ext cx="221592" cy="0"/>
           </a:xfrm>
           <a:prstGeom prst="line">
             <a:avLst/>
@@ -6274,15 +6831,15 @@
       </p:cxnSp>
       <p:cxnSp>
         <p:nvCxnSpPr>
-          <p:cNvPr id="225500110" name=""/>
+          <p:cNvPr id="1260400315" name=""/>
           <p:cNvCxnSpPr>
             <a:cxnSpLocks/>
           </p:cNvCxnSpPr>
           <p:nvPr/>
         </p:nvCxnSpPr>
         <p:spPr bwMode="auto">
-          <a:xfrm rot="5399976" flipH="0" flipV="0">
-            <a:off x="9061565" y="4783972"/>
+          <a:xfrm rot="0" flipH="0" flipV="0">
+            <a:off x="10399831" y="4963348"/>
             <a:ext cx="174825" cy="0"/>
           </a:xfrm>
           <a:prstGeom prst="line">
@@ -6314,18 +6871,40 @@
           </a:fontRef>
         </p:style>
       </p:cxnSp>
+      <p:pic>
+        <p:nvPicPr>
+          <p:cNvPr id="1181611404" name=""/>
+          <p:cNvPicPr>
+            <a:picLocks noChangeAspect="1"/>
+          </p:cNvPicPr>
+          <p:nvPr/>
+        </p:nvPicPr>
+        <p:blipFill>
+          <a:blip r:embed="rId3"/>
+          <a:stretch/>
+        </p:blipFill>
+        <p:spPr bwMode="auto">
+          <a:xfrm flipH="0" flipV="0">
+            <a:off x="688421" y="2912256"/>
+            <a:ext cx="1025195" cy="1025195"/>
+          </a:xfrm>
+          <a:prstGeom prst="rect">
+            <a:avLst/>
+          </a:prstGeom>
+        </p:spPr>
+      </p:pic>
       <p:cxnSp>
         <p:nvCxnSpPr>
-          <p:cNvPr id="2119874562" name=""/>
+          <p:cNvPr id="843257013" name=""/>
           <p:cNvCxnSpPr>
             <a:cxnSpLocks/>
           </p:cNvCxnSpPr>
           <p:nvPr/>
         </p:nvCxnSpPr>
         <p:spPr bwMode="auto">
-          <a:xfrm flipH="1" flipV="1">
-            <a:off x="4619588" y="4205776"/>
-            <a:ext cx="301066" cy="0"/>
+          <a:xfrm rot="0" flipH="0" flipV="0">
+            <a:off x="10399831" y="1888254"/>
+            <a:ext cx="174825" cy="0"/>
           </a:xfrm>
           <a:prstGeom prst="line">
             <a:avLst/>
@@ -6356,18 +6935,106 @@
           </a:fontRef>
         </p:style>
       </p:cxnSp>
+      <p:sp>
+        <p:nvSpPr>
+          <p:cNvPr id="1600891825" name=""/>
+          <p:cNvSpPr txBox="1"/>
+          <p:nvPr/>
+        </p:nvSpPr>
+        <p:spPr bwMode="auto">
+          <a:xfrm flipH="0" flipV="0">
+            <a:off x="10574656" y="1568394"/>
+            <a:ext cx="1248858" cy="640440"/>
+          </a:xfrm>
+          <a:prstGeom prst="rect">
+            <a:avLst/>
+          </a:prstGeom>
+          <a:noFill/>
+        </p:spPr>
+        <p:txBody>
+          <a:bodyPr vertOverflow="overflow" horzOverflow="overflow" vert="horz" wrap="square" lIns="91440" tIns="45720" rIns="91440" bIns="45720" numCol="1" spcCol="0" rtlCol="0" fromWordArt="0" anchor="ctr" anchorCtr="0" forceAA="0" upright="0" compatLnSpc="0">
+            <a:spAutoFit/>
+          </a:bodyPr>
+          <a:p>
+            <a:pPr algn="ctr">
+              <a:defRPr/>
+            </a:pPr>
+            <a:r>
+              <a:rPr b="0">
+                <a:solidFill>
+                  <a:schemeClr val="tx1"/>
+                </a:solidFill>
+                <a:latin typeface="Montserrat"/>
+                <a:cs typeface="Montserrat"/>
+              </a:rPr>
+              <a:t>Speed &amp; Distance</a:t>
+            </a:r>
+            <a:endParaRPr sz="2200" b="0">
+              <a:solidFill>
+                <a:schemeClr val="tx1"/>
+              </a:solidFill>
+              <a:latin typeface="Montserrat"/>
+              <a:cs typeface="Montserrat"/>
+            </a:endParaRPr>
+          </a:p>
+        </p:txBody>
+      </p:sp>
+      <p:sp>
+        <p:nvSpPr>
+          <p:cNvPr id="865312488" name=""/>
+          <p:cNvSpPr txBox="1"/>
+          <p:nvPr/>
+        </p:nvSpPr>
+        <p:spPr bwMode="auto">
+          <a:xfrm flipH="0" flipV="0">
+            <a:off x="10574656" y="4780288"/>
+            <a:ext cx="1245617" cy="366120"/>
+          </a:xfrm>
+          <a:prstGeom prst="rect">
+            <a:avLst/>
+          </a:prstGeom>
+          <a:noFill/>
+        </p:spPr>
+        <p:txBody>
+          <a:bodyPr vertOverflow="overflow" horzOverflow="overflow" vert="horz" wrap="square" lIns="91440" tIns="45720" rIns="91440" bIns="45720" numCol="1" spcCol="0" rtlCol="0" fromWordArt="0" anchor="t" anchorCtr="0" forceAA="0" upright="0" compatLnSpc="0">
+            <a:spAutoFit/>
+          </a:bodyPr>
+          <a:p>
+            <a:pPr algn="l">
+              <a:defRPr/>
+            </a:pPr>
+            <a:r>
+              <a:rPr b="0">
+                <a:solidFill>
+                  <a:schemeClr val="tx1"/>
+                </a:solidFill>
+                <a:latin typeface="Montserrat"/>
+                <a:cs typeface="Montserrat"/>
+              </a:rPr>
+              <a:t>010110101</a:t>
+            </a:r>
+            <a:endParaRPr sz="2200" b="0">
+              <a:solidFill>
+                <a:schemeClr val="tx1"/>
+              </a:solidFill>
+              <a:latin typeface="Montserrat"/>
+              <a:cs typeface="Montserrat"/>
+            </a:endParaRPr>
+          </a:p>
+        </p:txBody>
+      </p:sp>
       <p:cxnSp>
         <p:nvCxnSpPr>
-          <p:cNvPr id="262720686" name=""/>
+          <p:cNvPr id="1717636190" name=""/>
           <p:cNvCxnSpPr>
             <a:cxnSpLocks/>
           </p:cNvCxnSpPr>
           <p:nvPr/>
         </p:nvCxnSpPr>
         <p:spPr bwMode="auto">
-          <a:xfrm flipH="0" flipV="1">
-            <a:off x="7564664" y="4183958"/>
-            <a:ext cx="275142" cy="0"/>
+          <a:xfrm rot="16199969" flipH="1" flipV="0">
+            <a:off x="8920281" y="4172204"/>
+            <a:ext cx="341433" cy="0"/>
           </a:xfrm>
           <a:prstGeom prst="line">
             <a:avLst/>
@@ -6400,16 +7067,16 @@
       </p:cxnSp>
       <p:cxnSp>
         <p:nvCxnSpPr>
-          <p:cNvPr id="1260354544" name=""/>
+          <p:cNvPr id="679137983" name=""/>
           <p:cNvCxnSpPr>
             <a:cxnSpLocks/>
           </p:cNvCxnSpPr>
           <p:nvPr/>
         </p:nvCxnSpPr>
         <p:spPr bwMode="auto">
-          <a:xfrm rot="5399976" flipH="0" flipV="0">
-            <a:off x="6151930" y="3516412"/>
-            <a:ext cx="174825" cy="0"/>
+          <a:xfrm rot="0" flipH="0" flipV="0">
+            <a:off x="1774850" y="3423780"/>
+            <a:ext cx="221592" cy="0"/>
           </a:xfrm>
           <a:prstGeom prst="line">
             <a:avLst/>
@@ -6442,21 +7109,26 @@
       </p:cxnSp>
       <p:cxnSp>
         <p:nvCxnSpPr>
-          <p:cNvPr id="0" name=""/>
+          <p:cNvPr id="1641063606" name=""/>
           <p:cNvCxnSpPr>
             <a:cxnSpLocks/>
           </p:cNvCxnSpPr>
           <p:nvPr/>
         </p:nvCxnSpPr>
         <p:spPr bwMode="auto">
-          <a:xfrm flipH="0" flipV="0">
-            <a:off x="2220300" y="1114425"/>
-            <a:ext cx="0" cy="0"/>
+          <a:xfrm rot="0" flipH="0" flipV="0">
+            <a:off x="7507256" y="3424860"/>
+            <a:ext cx="221592" cy="0"/>
           </a:xfrm>
           <a:prstGeom prst="line">
             <a:avLst/>
           </a:prstGeom>
-          <a:ln>
+          <a:ln w="38099" cap="flat" cmpd="sng" algn="ctr">
+            <a:solidFill>
+              <a:srgbClr val="00214E"/>
+            </a:solidFill>
+            <a:prstDash val="solid"/>
+            <a:miter lim="800000"/>
             <a:tailEnd type="arrow" len="med"/>
           </a:ln>
         </p:spPr>
@@ -6477,238 +7149,248 @@
           </a:fontRef>
         </p:style>
       </p:cxnSp>
-      <p:sp>
-        <p:nvSpPr>
-          <p:cNvPr id="223290790" name=""/>
-          <p:cNvSpPr txBox="1"/>
-          <p:nvPr/>
-        </p:nvSpPr>
+      <p:cxnSp>
+        <p:nvCxnSpPr>
+          <p:cNvPr id="1949423208" name=""/>
+          <p:cNvCxnSpPr>
+            <a:cxnSpLocks/>
+          </p:cNvCxnSpPr>
+          <p:nvPr/>
+        </p:nvCxnSpPr>
         <p:spPr bwMode="auto">
           <a:xfrm flipH="0" flipV="0">
-            <a:off x="2323663" y="6021269"/>
-            <a:ext cx="1973991" cy="366120"/>
-          </a:xfrm>
-          <a:prstGeom prst="rect">
-            <a:avLst/>
-          </a:prstGeom>
-          <a:noFill/>
-        </p:spPr>
-        <p:txBody>
-          <a:bodyPr vertOverflow="overflow" horzOverflow="overflow" vert="horz" wrap="square" lIns="91440" tIns="45720" rIns="91440" bIns="45720" numCol="1" spcCol="0" rtlCol="0" fromWordArt="0" anchor="t" anchorCtr="0" forceAA="0" upright="0" compatLnSpc="0">
-            <a:spAutoFit/>
-          </a:bodyPr>
-          <a:p>
-            <a:pPr algn="ctr">
-              <a:defRPr/>
-            </a:pPr>
-            <a:r>
-              <a:rPr b="1">
-                <a:solidFill>
-                  <a:schemeClr val="tx1"/>
-                </a:solidFill>
-                <a:latin typeface="Montserrat"/>
-                <a:ea typeface="Montserrat"/>
-                <a:cs typeface="Montserrat"/>
-              </a:rPr>
-              <a:t>Radar specific</a:t>
-            </a:r>
-            <a:endParaRPr b="1">
-              <a:solidFill>
-                <a:schemeClr val="tx1"/>
-              </a:solidFill>
-              <a:latin typeface="Montserrat"/>
-              <a:ea typeface="Montserrat"/>
-              <a:cs typeface="Montserrat"/>
-            </a:endParaRPr>
-          </a:p>
-        </p:txBody>
-      </p:sp>
-      <p:sp>
-        <p:nvSpPr>
-          <p:cNvPr id="1395307063" name=""/>
-          <p:cNvSpPr txBox="1"/>
-          <p:nvPr/>
-        </p:nvSpPr>
-        <p:spPr bwMode="auto">
-          <a:xfrm flipH="0" flipV="0">
-            <a:off x="5252168" y="6021269"/>
-            <a:ext cx="1976870" cy="366120"/>
-          </a:xfrm>
-          <a:prstGeom prst="rect">
-            <a:avLst/>
-          </a:prstGeom>
-          <a:noFill/>
-        </p:spPr>
-        <p:txBody>
-          <a:bodyPr vertOverflow="overflow" horzOverflow="overflow" vert="horz" wrap="square" lIns="91440" tIns="45720" rIns="91440" bIns="45720" numCol="1" spcCol="0" rtlCol="0" fromWordArt="0" anchor="t" anchorCtr="0" forceAA="0" upright="0" compatLnSpc="0">
-            <a:spAutoFit/>
-          </a:bodyPr>
-          <a:p>
-            <a:pPr algn="ctr">
-              <a:defRPr/>
-            </a:pPr>
-            <a:r>
-              <a:rPr b="1">
-                <a:solidFill>
-                  <a:schemeClr val="tx1"/>
-                </a:solidFill>
-                <a:latin typeface="Montserrat"/>
-                <a:ea typeface="Montserrat"/>
-                <a:cs typeface="Montserrat"/>
-              </a:rPr>
-              <a:t>Common</a:t>
-            </a:r>
-            <a:endParaRPr b="1">
-              <a:solidFill>
-                <a:schemeClr val="tx1"/>
-              </a:solidFill>
-              <a:latin typeface="Montserrat"/>
-              <a:ea typeface="Montserrat"/>
-              <a:cs typeface="Montserrat"/>
-            </a:endParaRPr>
-          </a:p>
-        </p:txBody>
-      </p:sp>
-      <p:sp>
-        <p:nvSpPr>
-          <p:cNvPr id="17240303" name=""/>
-          <p:cNvSpPr txBox="1"/>
-          <p:nvPr/>
-        </p:nvSpPr>
-        <p:spPr bwMode="auto">
-          <a:xfrm flipH="0" flipV="0">
-            <a:off x="7509179" y="6021269"/>
-            <a:ext cx="3279596" cy="366120"/>
-          </a:xfrm>
-          <a:prstGeom prst="rect">
-            <a:avLst/>
-          </a:prstGeom>
-          <a:noFill/>
-        </p:spPr>
-        <p:txBody>
-          <a:bodyPr vertOverflow="overflow" horzOverflow="overflow" vert="horz" wrap="square" lIns="91440" tIns="45720" rIns="91440" bIns="45720" numCol="1" spcCol="0" rtlCol="0" fromWordArt="0" anchor="t" anchorCtr="0" forceAA="0" upright="0" compatLnSpc="0">
-            <a:spAutoFit/>
-          </a:bodyPr>
-          <a:p>
-            <a:pPr algn="ctr">
-              <a:defRPr/>
-            </a:pPr>
-            <a:r>
-              <a:rPr b="1">
-                <a:solidFill>
-                  <a:schemeClr val="tx1"/>
-                </a:solidFill>
-                <a:latin typeface="Montserrat"/>
-                <a:ea typeface="Montserrat"/>
-                <a:cs typeface="Montserrat"/>
-              </a:rPr>
-              <a:t>Communication specific</a:t>
-            </a:r>
-            <a:endParaRPr b="1">
-              <a:solidFill>
-                <a:schemeClr val="tx1"/>
-              </a:solidFill>
-              <a:latin typeface="Montserrat"/>
-              <a:ea typeface="Montserrat"/>
-              <a:cs typeface="Montserrat"/>
-            </a:endParaRPr>
-          </a:p>
-        </p:txBody>
-      </p:sp>
-    </p:spTree>
-  </p:cSld>
-  <p:clrMapOvr>
-    <a:masterClrMapping/>
-  </p:clrMapOvr>
-  <mc:AlternateContent xmlns:mc="http://schemas.openxmlformats.org/markup-compatibility/2006">
-    <mc:Choice xmlns:p159="http://schemas.microsoft.com/office/powerpoint/2015/09/main" xmlns:p14="http://schemas.microsoft.com/office/powerpoint/2010/main" Requires="p159">
-      <p:transition p14:dur="2000" advClick="1"/>
-    </mc:Choice>
-    <mc:Fallback>
-      <p:transition advClick="1"/>
-    </mc:Fallback>
-  </mc:AlternateContent>
-</p:sld>
-</file>
-
-<file path=ppt/slides/slide5.xml><?xml version="1.0" encoding="utf-8"?>
-<p:sld xmlns:a="http://schemas.openxmlformats.org/drawingml/2006/main" xmlns:r="http://schemas.openxmlformats.org/officeDocument/2006/relationships" xmlns:p="http://schemas.openxmlformats.org/presentationml/2006/main" xmlns:m="http://schemas.openxmlformats.org/officeDocument/2006/math" xmlns:w="http://schemas.openxmlformats.org/wordprocessingml/2006/main" xmlns:mc="http://schemas.openxmlformats.org/markup-compatibility/2006" showMasterPhAnim="0" showMasterSp="1" show="1">
-  <p:cSld name="">
-    <p:spTree>
-      <p:nvGrpSpPr>
-        <p:cNvPr id="1" name=""/>
-        <p:cNvGrpSpPr/>
-        <p:nvPr/>
-      </p:nvGrpSpPr>
-      <p:grpSpPr bwMode="auto">
-        <a:xfrm>
-          <a:off x="0" y="0"/>
-          <a:ext cx="0" cy="0"/>
-          <a:chOff x="0" y="0"/>
-          <a:chExt cx="0" cy="0"/>
-        </a:xfrm>
-      </p:grpSpPr>
-      <p:sp>
-        <p:nvSpPr>
-          <p:cNvPr id="354468386" name=""/>
-          <p:cNvSpPr/>
-          <p:nvPr/>
-        </p:nvSpPr>
-        <p:spPr bwMode="auto">
-          <a:xfrm flipH="0" flipV="0">
-            <a:off x="69246" y="3058604"/>
-            <a:ext cx="1156395" cy="740786"/>
-          </a:xfrm>
-          <a:prstGeom prst="rect">
-            <a:avLst/>
-          </a:prstGeom>
-          <a:noFill/>
-          <a:ln w="76199" cap="flat" cmpd="sng" algn="ctr">
+            <a:off x="2088115" y="693205"/>
+            <a:ext cx="4007882" cy="0"/>
+          </a:xfrm>
+          <a:prstGeom prst="line">
+            <a:avLst/>
+          </a:prstGeom>
+          <a:ln w="57150" cap="flat" cmpd="sng" algn="ctr">
             <a:solidFill>
-              <a:srgbClr val="9CB7D4">
-                <a:alpha val="99999"/>
-              </a:srgbClr>
+              <a:srgbClr val="9CB7D4"/>
             </a:solidFill>
             <a:prstDash val="sysDash"/>
             <a:miter lim="800000"/>
           </a:ln>
         </p:spPr>
         <p:style>
-          <a:lnRef idx="2">
+          <a:lnRef idx="1">
             <a:schemeClr val="accent1">
               <a:shade val="50000"/>
             </a:schemeClr>
           </a:lnRef>
-          <a:fillRef idx="1">
+          <a:fillRef idx="0">
             <a:schemeClr val="accent1"/>
           </a:fillRef>
           <a:effectRef idx="0">
             <a:schemeClr val="accent1"/>
           </a:effectRef>
           <a:fontRef idx="minor">
-            <a:schemeClr val="lt1"/>
+            <a:schemeClr val="tx1"/>
           </a:fontRef>
         </p:style>
-        <p:txBody>
-          <a:bodyPr vertOverflow="overflow" horzOverflow="overflow" vert="horz" wrap="square" lIns="91440" tIns="45720" rIns="91440" bIns="45720" numCol="1" spcCol="0" rtlCol="0" fromWordArt="0" anchor="ctr" anchorCtr="0" forceAA="0" upright="0" compatLnSpc="0"/>
+      </p:cxnSp>
+      <p:cxnSp>
+        <p:nvCxnSpPr>
+          <p:cNvPr id="1064645971" name=""/>
+          <p:cNvCxnSpPr>
+            <a:cxnSpLocks/>
+          </p:cNvCxnSpPr>
+          <p:nvPr/>
+        </p:nvCxnSpPr>
+        <p:spPr bwMode="auto">
+          <a:xfrm flipH="0" flipV="1">
+            <a:off x="6095999" y="749140"/>
+            <a:ext cx="0" cy="4985529"/>
+          </a:xfrm>
+          <a:prstGeom prst="line">
+            <a:avLst/>
+          </a:prstGeom>
+          <a:ln w="57150" cap="flat" cmpd="sng" algn="ctr">
+            <a:solidFill>
+              <a:srgbClr val="9CB7D4"/>
+            </a:solidFill>
+            <a:prstDash val="sysDash"/>
+            <a:miter lim="800000"/>
+          </a:ln>
+        </p:spPr>
+        <p:style>
+          <a:lnRef idx="1">
+            <a:schemeClr val="accent1">
+              <a:shade val="50000"/>
+            </a:schemeClr>
+          </a:lnRef>
+          <a:fillRef idx="0">
+            <a:schemeClr val="accent1"/>
+          </a:fillRef>
+          <a:effectRef idx="0">
+            <a:schemeClr val="accent1"/>
+          </a:effectRef>
+          <a:fontRef idx="minor">
+            <a:schemeClr val="tx1"/>
+          </a:fontRef>
+        </p:style>
+      </p:cxnSp>
+      <p:cxnSp>
+        <p:nvCxnSpPr>
+          <p:cNvPr id="991076210" name=""/>
+          <p:cNvCxnSpPr>
+            <a:cxnSpLocks/>
+          </p:cNvCxnSpPr>
+          <p:nvPr/>
+        </p:nvCxnSpPr>
+        <p:spPr bwMode="auto">
+          <a:xfrm flipH="0" flipV="0">
+            <a:off x="2088115" y="5734311"/>
+            <a:ext cx="4007882" cy="0"/>
+          </a:xfrm>
+          <a:prstGeom prst="line">
+            <a:avLst/>
+          </a:prstGeom>
+          <a:ln w="57150" cap="flat" cmpd="sng" algn="ctr">
+            <a:solidFill>
+              <a:srgbClr val="9CB7D4"/>
+            </a:solidFill>
+            <a:prstDash val="sysDash"/>
+            <a:miter lim="800000"/>
+          </a:ln>
+        </p:spPr>
+        <p:style>
+          <a:lnRef idx="1">
+            <a:schemeClr val="accent1">
+              <a:shade val="50000"/>
+            </a:schemeClr>
+          </a:lnRef>
+          <a:fillRef idx="0">
+            <a:schemeClr val="accent1"/>
+          </a:fillRef>
+          <a:effectRef idx="0">
+            <a:schemeClr val="accent1"/>
+          </a:effectRef>
+          <a:fontRef idx="minor">
+            <a:schemeClr val="tx1"/>
+          </a:fontRef>
+        </p:style>
+      </p:cxnSp>
+      <p:cxnSp>
+        <p:nvCxnSpPr>
+          <p:cNvPr id="1605313085" name=""/>
+          <p:cNvCxnSpPr>
+            <a:cxnSpLocks/>
+          </p:cNvCxnSpPr>
+          <p:nvPr/>
+        </p:nvCxnSpPr>
+        <p:spPr bwMode="auto">
+          <a:xfrm flipH="0" flipV="0">
+            <a:off x="6320081" y="692845"/>
+            <a:ext cx="5938593" cy="360"/>
+          </a:xfrm>
+          <a:prstGeom prst="line">
+            <a:avLst/>
+          </a:prstGeom>
+          <a:ln w="57150" cap="flat" cmpd="sng" algn="ctr">
+            <a:solidFill>
+              <a:srgbClr val="9CB7D4"/>
+            </a:solidFill>
+            <a:prstDash val="sysDash"/>
+            <a:miter lim="800000"/>
+          </a:ln>
+        </p:spPr>
+        <p:style>
+          <a:lnRef idx="1">
+            <a:schemeClr val="accent1">
+              <a:shade val="50000"/>
+            </a:schemeClr>
+          </a:lnRef>
+          <a:fillRef idx="0">
+            <a:schemeClr val="accent1"/>
+          </a:fillRef>
+          <a:effectRef idx="0">
+            <a:schemeClr val="accent1"/>
+          </a:effectRef>
+          <a:fontRef idx="minor">
+            <a:schemeClr val="tx1"/>
+          </a:fontRef>
+        </p:style>
+      </p:cxnSp>
+      <p:cxnSp>
+        <p:nvCxnSpPr>
+          <p:cNvPr id="2059890245" name=""/>
+          <p:cNvCxnSpPr>
+            <a:cxnSpLocks/>
+          </p:cNvCxnSpPr>
+          <p:nvPr/>
+        </p:nvCxnSpPr>
+        <p:spPr bwMode="auto">
+          <a:xfrm flipH="0" flipV="0">
+            <a:off x="6320081" y="5734311"/>
+            <a:ext cx="5868678" cy="360"/>
+          </a:xfrm>
+          <a:prstGeom prst="line">
+            <a:avLst/>
+          </a:prstGeom>
+          <a:ln w="57150" cap="flat" cmpd="sng" algn="ctr">
+            <a:solidFill>
+              <a:srgbClr val="9CB7D4"/>
+            </a:solidFill>
+            <a:prstDash val="sysDash"/>
+            <a:miter lim="800000"/>
+          </a:ln>
+        </p:spPr>
+        <p:style>
+          <a:lnRef idx="1">
+            <a:schemeClr val="accent1">
+              <a:shade val="50000"/>
+            </a:schemeClr>
+          </a:lnRef>
+          <a:fillRef idx="0">
+            <a:schemeClr val="accent1"/>
+          </a:fillRef>
+          <a:effectRef idx="0">
+            <a:schemeClr val="accent1"/>
+          </a:effectRef>
+          <a:fontRef idx="minor">
+            <a:schemeClr val="tx1"/>
+          </a:fontRef>
+        </p:style>
+      </p:cxnSp>
+      <p:sp>
+        <p:nvSpPr>
+          <p:cNvPr id="643068540" name=""/>
+          <p:cNvSpPr txBox="1"/>
+          <p:nvPr/>
+        </p:nvSpPr>
+        <p:spPr bwMode="auto">
+          <a:xfrm flipH="0" flipV="0">
+            <a:off x="2871597" y="748780"/>
+            <a:ext cx="1667538" cy="427078"/>
+          </a:xfrm>
+          <a:prstGeom prst="rect">
+            <a:avLst/>
+          </a:prstGeom>
+          <a:noFill/>
+        </p:spPr>
+        <p:txBody>
+          <a:bodyPr vertOverflow="overflow" horzOverflow="overflow" vert="horz" wrap="square" lIns="91440" tIns="45720" rIns="91440" bIns="45720" numCol="1" spcCol="0" rtlCol="0" fromWordArt="0" anchor="ctr" anchorCtr="0" forceAA="0" upright="0" compatLnSpc="0">
+            <a:spAutoFit/>
+          </a:bodyPr>
           <a:p>
             <a:pPr algn="ctr">
               <a:defRPr/>
             </a:pPr>
             <a:r>
-              <a:rPr sz="2200">
+              <a:rPr sz="2200" b="1">
                 <a:solidFill>
-                  <a:schemeClr val="tx1"/>
+                  <a:srgbClr val="9CB7D4"/>
                 </a:solidFill>
                 <a:latin typeface="Montserrat"/>
-                <a:ea typeface="Montserrat"/>
                 <a:cs typeface="Montserrat"/>
               </a:rPr>
-              <a:t>Input signal</a:t>
-            </a:r>
-            <a:endParaRPr sz="2200" b="1">
+              <a:t>Hardware</a:t>
+            </a:r>
+            <a:endParaRPr sz="2200" b="0">
               <a:solidFill>
-                <a:schemeClr val="tx1"/>
+                <a:srgbClr val="9CB7D4"/>
               </a:solidFill>
               <a:latin typeface="Montserrat"/>
               <a:cs typeface="Montserrat"/>
@@ -6716,67 +7398,84 @@
           </a:p>
         </p:txBody>
       </p:sp>
-      <p:sp>
-        <p:nvSpPr>
-          <p:cNvPr id="1795320500" name=""/>
-          <p:cNvSpPr/>
-          <p:nvPr/>
-        </p:nvSpPr>
-        <p:spPr bwMode="auto">
-          <a:xfrm flipH="0" flipV="0">
-            <a:off x="1476768" y="2916399"/>
-            <a:ext cx="2486529" cy="1025196"/>
-          </a:xfrm>
-          <a:prstGeom prst="rect">
-            <a:avLst/>
-          </a:prstGeom>
-          <a:noFill/>
-          <a:ln w="76199" cap="flat" cmpd="sng" algn="ctr">
+      <p:cxnSp>
+        <p:nvCxnSpPr>
+          <p:cNvPr id="1705148684" name=""/>
+          <p:cNvCxnSpPr>
+            <a:cxnSpLocks/>
+          </p:cNvCxnSpPr>
+          <p:nvPr/>
+        </p:nvCxnSpPr>
+        <p:spPr bwMode="auto">
+          <a:xfrm flipH="0" flipV="1">
+            <a:off x="6320081" y="748780"/>
+            <a:ext cx="0" cy="4985529"/>
+          </a:xfrm>
+          <a:prstGeom prst="line">
+            <a:avLst/>
+          </a:prstGeom>
+          <a:ln w="57150" cap="flat" cmpd="sng" algn="ctr">
             <a:solidFill>
-              <a:srgbClr val="00214E">
-                <a:alpha val="99999"/>
-              </a:srgbClr>
+              <a:srgbClr val="9CB7D4"/>
             </a:solidFill>
-            <a:prstDash val="solid"/>
+            <a:prstDash val="sysDash"/>
             <a:miter lim="800000"/>
           </a:ln>
         </p:spPr>
         <p:style>
-          <a:lnRef idx="2">
+          <a:lnRef idx="1">
             <a:schemeClr val="accent1">
               <a:shade val="50000"/>
             </a:schemeClr>
           </a:lnRef>
-          <a:fillRef idx="1">
+          <a:fillRef idx="0">
             <a:schemeClr val="accent1"/>
           </a:fillRef>
           <a:effectRef idx="0">
             <a:schemeClr val="accent1"/>
           </a:effectRef>
           <a:fontRef idx="minor">
-            <a:schemeClr val="lt1"/>
+            <a:schemeClr val="tx1"/>
           </a:fontRef>
         </p:style>
-        <p:txBody>
-          <a:bodyPr vertOverflow="overflow" horzOverflow="overflow" vert="horz" wrap="square" lIns="91440" tIns="45720" rIns="91440" bIns="45720" numCol="1" spcCol="0" rtlCol="0" fromWordArt="0" anchor="ctr" anchorCtr="0" forceAA="0" upright="0" compatLnSpc="0"/>
+      </p:cxnSp>
+      <p:sp>
+        <p:nvSpPr>
+          <p:cNvPr id="1397726528" name=""/>
+          <p:cNvSpPr txBox="1"/>
+          <p:nvPr/>
+        </p:nvSpPr>
+        <p:spPr bwMode="auto">
+          <a:xfrm flipH="0" flipV="0">
+            <a:off x="8271068" y="748780"/>
+            <a:ext cx="1676176" cy="427078"/>
+          </a:xfrm>
+          <a:prstGeom prst="rect">
+            <a:avLst/>
+          </a:prstGeom>
+          <a:noFill/>
+        </p:spPr>
+        <p:txBody>
+          <a:bodyPr vertOverflow="overflow" horzOverflow="overflow" vert="horz" wrap="square" lIns="91440" tIns="45720" rIns="91440" bIns="45720" numCol="1" spcCol="0" rtlCol="0" fromWordArt="0" anchor="ctr" anchorCtr="0" forceAA="0" upright="0" compatLnSpc="0">
+            <a:spAutoFit/>
+          </a:bodyPr>
           <a:p>
             <a:pPr algn="ctr">
               <a:defRPr/>
             </a:pPr>
             <a:r>
-              <a:rPr sz="2200" b="0">
+              <a:rPr sz="2200" b="1">
                 <a:solidFill>
-                  <a:schemeClr val="tx1"/>
+                  <a:srgbClr val="9CB7D4"/>
                 </a:solidFill>
                 <a:latin typeface="Montserrat"/>
-                <a:ea typeface="Montserrat"/>
                 <a:cs typeface="Montserrat"/>
               </a:rPr>
-              <a:t>Synchronization</a:t>
-            </a:r>
-            <a:endParaRPr sz="2200" b="1">
+              <a:t>Software</a:t>
+            </a:r>
+            <a:endParaRPr sz="2200" b="0">
               <a:solidFill>
-                <a:schemeClr val="tx1"/>
+                <a:srgbClr val="9CB7D4"/>
               </a:solidFill>
               <a:latin typeface="Montserrat"/>
               <a:cs typeface="Montserrat"/>
@@ -6786,155 +7485,21 @@
       </p:sp>
       <p:sp>
         <p:nvSpPr>
-          <p:cNvPr id="835000383" name=""/>
+          <p:cNvPr id="1001638779" name=""/>
           <p:cNvSpPr/>
           <p:nvPr/>
         </p:nvSpPr>
         <p:spPr bwMode="auto">
           <a:xfrm flipH="0" flipV="0">
-            <a:off x="6932837" y="4205776"/>
-            <a:ext cx="2486529" cy="1025196"/>
+            <a:off x="4953135" y="2912257"/>
+            <a:ext cx="2486529" cy="1025195"/>
           </a:xfrm>
           <a:prstGeom prst="rect">
             <a:avLst/>
           </a:prstGeom>
-          <a:noFill/>
-          <a:ln w="76199" cap="flat" cmpd="sng" algn="ctr">
-            <a:solidFill>
-              <a:srgbClr val="8B687F">
-                <a:alpha val="99999"/>
-              </a:srgbClr>
-            </a:solidFill>
-            <a:prstDash val="solid"/>
-            <a:miter lim="800000"/>
-          </a:ln>
-        </p:spPr>
-        <p:style>
-          <a:lnRef idx="2">
-            <a:schemeClr val="accent1">
-              <a:shade val="50000"/>
-            </a:schemeClr>
-          </a:lnRef>
-          <a:fillRef idx="1">
-            <a:schemeClr val="accent1"/>
-          </a:fillRef>
-          <a:effectRef idx="0">
-            <a:schemeClr val="accent1"/>
-          </a:effectRef>
-          <a:fontRef idx="minor">
-            <a:schemeClr val="lt1"/>
-          </a:fontRef>
-        </p:style>
-        <p:txBody>
-          <a:bodyPr vertOverflow="overflow" horzOverflow="overflow" vert="horz" wrap="square" lIns="91440" tIns="45720" rIns="91440" bIns="45720" numCol="1" spcCol="0" rtlCol="0" fromWordArt="0" anchor="ctr" anchorCtr="0" forceAA="0" upright="0" compatLnSpc="0"/>
-          <a:p>
-            <a:pPr algn="ctr">
-              <a:defRPr/>
-            </a:pPr>
-            <a:r>
-              <a:rPr sz="2200" b="0">
-                <a:solidFill>
-                  <a:schemeClr val="tx1"/>
-                </a:solidFill>
-                <a:latin typeface="Montserrat"/>
-                <a:ea typeface="Montserrat"/>
-                <a:cs typeface="Montserrat"/>
-              </a:rPr>
-              <a:t>Channel equalization</a:t>
-            </a:r>
-            <a:endParaRPr sz="2200" b="1">
-              <a:solidFill>
-                <a:schemeClr val="tx1"/>
-              </a:solidFill>
-              <a:latin typeface="Montserrat"/>
-              <a:cs typeface="Montserrat"/>
-            </a:endParaRPr>
-          </a:p>
-        </p:txBody>
-      </p:sp>
-      <p:sp>
-        <p:nvSpPr>
-          <p:cNvPr id="458398827" name=""/>
-          <p:cNvSpPr/>
-          <p:nvPr/>
-        </p:nvSpPr>
-        <p:spPr bwMode="auto">
-          <a:xfrm flipH="0" flipV="0">
-            <a:off x="9665728" y="4205776"/>
-            <a:ext cx="2486529" cy="1025196"/>
-          </a:xfrm>
-          <a:prstGeom prst="rect">
-            <a:avLst/>
-          </a:prstGeom>
-          <a:noFill/>
-          <a:ln w="76199" cap="flat" cmpd="sng" algn="ctr">
-            <a:solidFill>
-              <a:srgbClr val="5DB4E6">
-                <a:alpha val="99999"/>
-              </a:srgbClr>
-            </a:solidFill>
-            <a:prstDash val="solid"/>
-            <a:miter lim="800000"/>
-          </a:ln>
-        </p:spPr>
-        <p:style>
-          <a:lnRef idx="2">
-            <a:schemeClr val="accent1">
-              <a:shade val="50000"/>
-            </a:schemeClr>
-          </a:lnRef>
-          <a:fillRef idx="1">
-            <a:schemeClr val="accent1"/>
-          </a:fillRef>
-          <a:effectRef idx="0">
-            <a:schemeClr val="accent1"/>
-          </a:effectRef>
-          <a:fontRef idx="minor">
-            <a:schemeClr val="lt1"/>
-          </a:fontRef>
-        </p:style>
-        <p:txBody>
-          <a:bodyPr vertOverflow="overflow" horzOverflow="overflow" vert="horz" wrap="square" lIns="91440" tIns="45720" rIns="91440" bIns="45720" numCol="1" spcCol="0" rtlCol="0" fromWordArt="0" anchor="ctr" anchorCtr="0" forceAA="0" upright="0" compatLnSpc="0"/>
-          <a:p>
-            <a:pPr algn="ctr">
-              <a:defRPr/>
-            </a:pPr>
-            <a:r>
-              <a:rPr sz="2200" b="0">
-                <a:solidFill>
-                  <a:schemeClr val="tx1"/>
-                </a:solidFill>
-                <a:latin typeface="Montserrat"/>
-                <a:ea typeface="Montserrat"/>
-                <a:cs typeface="Montserrat"/>
-              </a:rPr>
-              <a:t>Symbol/bit extraction</a:t>
-            </a:r>
-            <a:endParaRPr sz="2200" b="1">
-              <a:solidFill>
-                <a:schemeClr val="tx1"/>
-              </a:solidFill>
-              <a:latin typeface="Montserrat"/>
-              <a:cs typeface="Montserrat"/>
-            </a:endParaRPr>
-          </a:p>
-        </p:txBody>
-      </p:sp>
-      <p:sp>
-        <p:nvSpPr>
-          <p:cNvPr id="1052043029" name=""/>
-          <p:cNvSpPr/>
-          <p:nvPr/>
-        </p:nvSpPr>
-        <p:spPr bwMode="auto">
-          <a:xfrm flipH="0" flipV="0">
-            <a:off x="4199946" y="2916399"/>
-            <a:ext cx="2486529" cy="1025196"/>
-          </a:xfrm>
-          <a:prstGeom prst="rect">
-            <a:avLst/>
-          </a:prstGeom>
-          <a:noFill/>
+          <a:solidFill>
+            <a:schemeClr val="bg1"/>
+          </a:solidFill>
           <a:ln w="76199" cap="flat" cmpd="sng" algn="ctr">
             <a:solidFill>
               <a:srgbClr val="F0C987">
@@ -6988,411 +7553,30 @@
           </a:p>
         </p:txBody>
       </p:sp>
-      <p:sp>
-        <p:nvSpPr>
-          <p:cNvPr id="1131438152" name=""/>
-          <p:cNvSpPr/>
-          <p:nvPr/>
-        </p:nvSpPr>
-        <p:spPr bwMode="auto">
-          <a:xfrm flipH="0" flipV="0">
-            <a:off x="6932837" y="2916399"/>
-            <a:ext cx="2486529" cy="1025196"/>
-          </a:xfrm>
-          <a:prstGeom prst="rect">
-            <a:avLst/>
-          </a:prstGeom>
-          <a:noFill/>
+      <p:cxnSp>
+        <p:nvCxnSpPr>
+          <p:cNvPr id="2131955082" name=""/>
+          <p:cNvCxnSpPr>
+            <a:cxnSpLocks/>
+          </p:cNvCxnSpPr>
+          <p:nvPr/>
+        </p:nvCxnSpPr>
+        <p:spPr bwMode="auto">
+          <a:xfrm rot="0" flipH="0" flipV="1">
+            <a:off x="5606177" y="962320"/>
+            <a:ext cx="1180446" cy="0"/>
+          </a:xfrm>
+          <a:prstGeom prst="line">
+            <a:avLst/>
+          </a:prstGeom>
           <a:ln w="76199" cap="flat" cmpd="sng" algn="ctr">
             <a:solidFill>
-              <a:srgbClr val="B5DBAB">
-                <a:alpha val="99999"/>
-              </a:srgbClr>
+              <a:srgbClr val="9CB7D4"/>
             </a:solidFill>
             <a:prstDash val="solid"/>
             <a:miter lim="800000"/>
-          </a:ln>
-        </p:spPr>
-        <p:style>
-          <a:lnRef idx="2">
-            <a:schemeClr val="accent1">
-              <a:shade val="50000"/>
-            </a:schemeClr>
-          </a:lnRef>
-          <a:fillRef idx="1">
-            <a:schemeClr val="accent1"/>
-          </a:fillRef>
-          <a:effectRef idx="0">
-            <a:schemeClr val="accent1"/>
-          </a:effectRef>
-          <a:fontRef idx="minor">
-            <a:schemeClr val="lt1"/>
-          </a:fontRef>
-        </p:style>
-        <p:txBody>
-          <a:bodyPr vertOverflow="overflow" horzOverflow="overflow" vert="horz" wrap="square" lIns="91440" tIns="45720" rIns="91440" bIns="45720" numCol="1" spcCol="0" rtlCol="0" fromWordArt="0" anchor="ctr" anchorCtr="0" forceAA="0" upright="0" compatLnSpc="0"/>
-          <a:p>
-            <a:pPr algn="ctr">
-              <a:defRPr/>
-            </a:pPr>
-            <a:r>
-              <a:rPr sz="2200" b="0">
-                <a:solidFill>
-                  <a:schemeClr val="tx1"/>
-                </a:solidFill>
-                <a:latin typeface="Montserrat"/>
-                <a:ea typeface="Montserrat"/>
-                <a:cs typeface="Montserrat"/>
-              </a:rPr>
-              <a:t>OFDM channel estimation</a:t>
-            </a:r>
-            <a:endParaRPr sz="2200" b="1">
-              <a:solidFill>
-                <a:schemeClr val="tx1"/>
-              </a:solidFill>
-              <a:latin typeface="Montserrat"/>
-              <a:cs typeface="Montserrat"/>
-            </a:endParaRPr>
-          </a:p>
-        </p:txBody>
-      </p:sp>
-      <p:sp>
-        <p:nvSpPr>
-          <p:cNvPr id="1062101641" name=""/>
-          <p:cNvSpPr/>
-          <p:nvPr/>
-        </p:nvSpPr>
-        <p:spPr bwMode="auto">
-          <a:xfrm flipH="0" flipV="0">
-            <a:off x="6932837" y="1648840"/>
-            <a:ext cx="2486529" cy="1025196"/>
-          </a:xfrm>
-          <a:prstGeom prst="rect">
-            <a:avLst/>
-          </a:prstGeom>
-          <a:noFill/>
-          <a:ln w="76199" cap="flat" cmpd="sng" algn="ctr">
-            <a:solidFill>
-              <a:srgbClr val="9CB7D4">
-                <a:alpha val="99999"/>
-              </a:srgbClr>
-            </a:solidFill>
-            <a:prstDash val="solid"/>
-            <a:miter lim="800000"/>
-          </a:ln>
-        </p:spPr>
-        <p:style>
-          <a:lnRef idx="2">
-            <a:schemeClr val="accent1">
-              <a:shade val="50000"/>
-            </a:schemeClr>
-          </a:lnRef>
-          <a:fillRef idx="1">
-            <a:schemeClr val="accent1"/>
-          </a:fillRef>
-          <a:effectRef idx="0">
-            <a:schemeClr val="accent1"/>
-          </a:effectRef>
-          <a:fontRef idx="minor">
-            <a:schemeClr val="lt1"/>
-          </a:fontRef>
-        </p:style>
-        <p:txBody>
-          <a:bodyPr vertOverflow="overflow" horzOverflow="overflow" vert="horz" wrap="square" lIns="91440" tIns="45720" rIns="91440" bIns="45720" numCol="1" spcCol="0" rtlCol="0" fromWordArt="0" anchor="ctr" anchorCtr="0" forceAA="0" upright="0" compatLnSpc="0"/>
-          <a:p>
-            <a:pPr algn="ctr">
-              <a:defRPr/>
-            </a:pPr>
-            <a:r>
-              <a:rPr sz="2200" b="0">
-                <a:solidFill>
-                  <a:schemeClr val="tx1"/>
-                </a:solidFill>
-                <a:latin typeface="Montserrat"/>
-                <a:cs typeface="Montserrat"/>
-              </a:rPr>
-              <a:t>Delay/Doppler map creation</a:t>
-            </a:r>
-            <a:endParaRPr sz="2200" b="0">
-              <a:solidFill>
-                <a:schemeClr val="tx1"/>
-              </a:solidFill>
-              <a:latin typeface="Montserrat"/>
-              <a:cs typeface="Montserrat"/>
-            </a:endParaRPr>
-          </a:p>
-        </p:txBody>
-      </p:sp>
-      <p:cxnSp>
-        <p:nvCxnSpPr>
-          <p:cNvPr id="762343130" name=""/>
-          <p:cNvCxnSpPr>
-            <a:cxnSpLocks/>
-          </p:cNvCxnSpPr>
-          <p:nvPr/>
-        </p:nvCxnSpPr>
-        <p:spPr bwMode="auto">
-          <a:xfrm rot="0" flipH="0" flipV="0">
-            <a:off x="1225642" y="3429000"/>
-            <a:ext cx="174825" cy="0"/>
-          </a:xfrm>
-          <a:prstGeom prst="line">
-            <a:avLst/>
-          </a:prstGeom>
-          <a:ln w="38099" cap="flat" cmpd="sng" algn="ctr">
-            <a:solidFill>
-              <a:srgbClr val="00214E"/>
-            </a:solidFill>
-            <a:prstDash val="solid"/>
-            <a:miter lim="800000"/>
-            <a:tailEnd type="arrow" len="med"/>
-          </a:ln>
-        </p:spPr>
-        <p:style>
-          <a:lnRef idx="1">
-            <a:schemeClr val="accent1">
-              <a:shade val="50000"/>
-            </a:schemeClr>
-          </a:lnRef>
-          <a:fillRef idx="0">
-            <a:schemeClr val="accent1"/>
-          </a:fillRef>
-          <a:effectRef idx="0">
-            <a:schemeClr val="accent1"/>
-          </a:effectRef>
-          <a:fontRef idx="minor">
-            <a:schemeClr val="tx1"/>
-          </a:fontRef>
-        </p:style>
-      </p:cxnSp>
-      <p:cxnSp>
-        <p:nvCxnSpPr>
-          <p:cNvPr id="354654357" name=""/>
-          <p:cNvCxnSpPr>
-            <a:cxnSpLocks/>
-          </p:cNvCxnSpPr>
-          <p:nvPr/>
-        </p:nvCxnSpPr>
-        <p:spPr bwMode="auto">
-          <a:xfrm rot="5399943" flipH="1" flipV="0">
-            <a:off x="8088688" y="2828986"/>
-            <a:ext cx="174825" cy="0"/>
-          </a:xfrm>
-          <a:prstGeom prst="line">
-            <a:avLst/>
-          </a:prstGeom>
-          <a:ln w="38099" cap="flat" cmpd="sng" algn="ctr">
-            <a:solidFill>
-              <a:srgbClr val="00214E"/>
-            </a:solidFill>
-            <a:prstDash val="solid"/>
-            <a:miter lim="800000"/>
-            <a:tailEnd type="arrow" len="med"/>
-          </a:ln>
-        </p:spPr>
-        <p:style>
-          <a:lnRef idx="1">
-            <a:schemeClr val="accent1">
-              <a:shade val="50000"/>
-            </a:schemeClr>
-          </a:lnRef>
-          <a:fillRef idx="0">
-            <a:schemeClr val="accent1"/>
-          </a:fillRef>
-          <a:effectRef idx="0">
-            <a:schemeClr val="accent1"/>
-          </a:effectRef>
-          <a:fontRef idx="minor">
-            <a:schemeClr val="tx1"/>
-          </a:fontRef>
-        </p:style>
-      </p:cxnSp>
-      <p:cxnSp>
-        <p:nvCxnSpPr>
-          <p:cNvPr id="219672084" name=""/>
-          <p:cNvCxnSpPr>
-            <a:cxnSpLocks/>
-          </p:cNvCxnSpPr>
-          <p:nvPr/>
-        </p:nvCxnSpPr>
-        <p:spPr bwMode="auto">
-          <a:xfrm flipH="0" flipV="0">
-            <a:off x="2205821" y="1114425"/>
-            <a:ext cx="0" cy="0"/>
-          </a:xfrm>
-          <a:prstGeom prst="line">
-            <a:avLst/>
-          </a:prstGeom>
-          <a:ln>
-            <a:tailEnd type="arrow" len="med"/>
-          </a:ln>
-        </p:spPr>
-        <p:style>
-          <a:lnRef idx="1">
-            <a:schemeClr val="accent1">
-              <a:shade val="50000"/>
-            </a:schemeClr>
-          </a:lnRef>
-          <a:fillRef idx="0">
-            <a:schemeClr val="accent1"/>
-          </a:fillRef>
-          <a:effectRef idx="0">
-            <a:schemeClr val="accent1"/>
-          </a:effectRef>
-          <a:fontRef idx="minor">
-            <a:schemeClr val="tx1"/>
-          </a:fontRef>
-        </p:style>
-      </p:cxnSp>
-      <p:cxnSp>
-        <p:nvCxnSpPr>
-          <p:cNvPr id="536302877" name=""/>
-          <p:cNvCxnSpPr>
-            <a:cxnSpLocks/>
-          </p:cNvCxnSpPr>
-          <p:nvPr/>
-        </p:nvCxnSpPr>
-        <p:spPr bwMode="auto">
-          <a:xfrm rot="0" flipH="0" flipV="0">
-            <a:off x="3963299" y="3429000"/>
-            <a:ext cx="174825" cy="0"/>
-          </a:xfrm>
-          <a:prstGeom prst="line">
-            <a:avLst/>
-          </a:prstGeom>
-          <a:ln w="38099" cap="flat" cmpd="sng" algn="ctr">
-            <a:solidFill>
-              <a:srgbClr val="00214E"/>
-            </a:solidFill>
-            <a:prstDash val="solid"/>
-            <a:miter lim="800000"/>
-            <a:tailEnd type="arrow" len="med"/>
-          </a:ln>
-        </p:spPr>
-        <p:style>
-          <a:lnRef idx="1">
-            <a:schemeClr val="accent1">
-              <a:shade val="50000"/>
-            </a:schemeClr>
-          </a:lnRef>
-          <a:fillRef idx="0">
-            <a:schemeClr val="accent1"/>
-          </a:fillRef>
-          <a:effectRef idx="0">
-            <a:schemeClr val="accent1"/>
-          </a:effectRef>
-          <a:fontRef idx="minor">
-            <a:schemeClr val="tx1"/>
-          </a:fontRef>
-        </p:style>
-      </p:cxnSp>
-      <p:cxnSp>
-        <p:nvCxnSpPr>
-          <p:cNvPr id="323614752" name=""/>
-          <p:cNvCxnSpPr>
-            <a:cxnSpLocks/>
-          </p:cNvCxnSpPr>
-          <p:nvPr/>
-        </p:nvCxnSpPr>
-        <p:spPr bwMode="auto">
-          <a:xfrm rot="0" flipH="0" flipV="0">
-            <a:off x="6686476" y="3429000"/>
-            <a:ext cx="174825" cy="0"/>
-          </a:xfrm>
-          <a:prstGeom prst="line">
-            <a:avLst/>
-          </a:prstGeom>
-          <a:ln w="38099" cap="flat" cmpd="sng" algn="ctr">
-            <a:solidFill>
-              <a:srgbClr val="00214E"/>
-            </a:solidFill>
-            <a:prstDash val="solid"/>
-            <a:miter lim="800000"/>
-            <a:tailEnd type="arrow" len="med"/>
-          </a:ln>
-        </p:spPr>
-        <p:style>
-          <a:lnRef idx="1">
-            <a:schemeClr val="accent1">
-              <a:shade val="50000"/>
-            </a:schemeClr>
-          </a:lnRef>
-          <a:fillRef idx="0">
-            <a:schemeClr val="accent1"/>
-          </a:fillRef>
-          <a:effectRef idx="0">
-            <a:schemeClr val="accent1"/>
-          </a:effectRef>
-          <a:fontRef idx="minor">
-            <a:schemeClr val="tx1"/>
-          </a:fontRef>
-        </p:style>
-      </p:cxnSp>
-      <p:cxnSp>
-        <p:nvCxnSpPr>
-          <p:cNvPr id="1239622290" name=""/>
-          <p:cNvCxnSpPr>
-            <a:cxnSpLocks/>
-          </p:cNvCxnSpPr>
-          <p:nvPr/>
-        </p:nvCxnSpPr>
-        <p:spPr bwMode="auto">
-          <a:xfrm rot="5399943" flipH="0" flipV="1">
-            <a:off x="8088690" y="4029008"/>
-            <a:ext cx="174825" cy="0"/>
-          </a:xfrm>
-          <a:prstGeom prst="line">
-            <a:avLst/>
-          </a:prstGeom>
-          <a:ln w="38099" cap="flat" cmpd="sng" algn="ctr">
-            <a:solidFill>
-              <a:srgbClr val="00214E"/>
-            </a:solidFill>
-            <a:prstDash val="solid"/>
-            <a:miter lim="800000"/>
-            <a:tailEnd type="arrow" len="med"/>
-          </a:ln>
-        </p:spPr>
-        <p:style>
-          <a:lnRef idx="1">
-            <a:schemeClr val="accent1">
-              <a:shade val="50000"/>
-            </a:schemeClr>
-          </a:lnRef>
-          <a:fillRef idx="0">
-            <a:schemeClr val="accent1"/>
-          </a:fillRef>
-          <a:effectRef idx="0">
-            <a:schemeClr val="accent1"/>
-          </a:effectRef>
-          <a:fontRef idx="minor">
-            <a:schemeClr val="tx1"/>
-          </a:fontRef>
-        </p:style>
-      </p:cxnSp>
-      <p:cxnSp>
-        <p:nvCxnSpPr>
-          <p:cNvPr id="768767541" name=""/>
-          <p:cNvCxnSpPr>
-            <a:cxnSpLocks/>
-          </p:cNvCxnSpPr>
-          <p:nvPr/>
-        </p:nvCxnSpPr>
-        <p:spPr bwMode="auto">
-          <a:xfrm rot="0" flipH="0" flipV="0">
-            <a:off x="9419367" y="4718375"/>
-            <a:ext cx="174825" cy="0"/>
-          </a:xfrm>
-          <a:prstGeom prst="line">
-            <a:avLst/>
-          </a:prstGeom>
-          <a:ln w="38099" cap="flat" cmpd="sng" algn="ctr">
-            <a:solidFill>
-              <a:srgbClr val="00214E"/>
-            </a:solidFill>
-            <a:prstDash val="solid"/>
-            <a:miter lim="800000"/>
-            <a:tailEnd type="arrow" len="med"/>
+            <a:headEnd type="triangle" w="sm" len="med"/>
+            <a:tailEnd type="triangle" w="sm" len="med"/>
           </a:ln>
         </p:spPr>
         <p:style>
@@ -7428,7 +7612,7 @@
 </p:sld>
 </file>
 
-<file path=ppt/slides/slide6.xml><?xml version="1.0" encoding="utf-8"?>
+<file path=ppt/slides/slide5.xml><?xml version="1.0" encoding="utf-8"?>
 <p:sld xmlns:a="http://schemas.openxmlformats.org/drawingml/2006/main" xmlns:r="http://schemas.openxmlformats.org/officeDocument/2006/relationships" xmlns:p="http://schemas.openxmlformats.org/presentationml/2006/main" xmlns:m="http://schemas.openxmlformats.org/officeDocument/2006/math" xmlns:w="http://schemas.openxmlformats.org/wordprocessingml/2006/main" xmlns:mc="http://schemas.openxmlformats.org/markup-compatibility/2006" showMasterPhAnim="0" showMasterSp="1" show="1">
   <p:cSld name="">
     <p:bg>
@@ -8463,7 +8647,7 @@
 </p:sld>
 </file>
 
-<file path=ppt/slides/slide7.xml><?xml version="1.0" encoding="utf-8"?>
+<file path=ppt/slides/slide6.xml><?xml version="1.0" encoding="utf-8"?>
 <p:sld xmlns:a="http://schemas.openxmlformats.org/drawingml/2006/main" xmlns:r="http://schemas.openxmlformats.org/officeDocument/2006/relationships" xmlns:p="http://schemas.openxmlformats.org/presentationml/2006/main" xmlns:m="http://schemas.openxmlformats.org/officeDocument/2006/math" xmlns:w="http://schemas.openxmlformats.org/wordprocessingml/2006/main" xmlns:mc="http://schemas.openxmlformats.org/markup-compatibility/2006" showMasterPhAnim="0" showMasterSp="1" show="1">
   <p:cSld name="">
     <p:spTree>
@@ -8545,13 +8729,7 @@
           <p:nvPr/>
         </p:nvPicPr>
         <p:blipFill>
-          <a:blip r:embed="rId7">
-            <a:extLst>
-              <a:ext uri="{96DAC541-7B7A-43D3-8B79-37D633B846F1}">
-                <asvg:svgBlip xmlns:asvg="http://schemas.microsoft.com/office/drawing/2016/SVG/main" r:embed="rId8"/>
-              </a:ext>
-            </a:extLst>
-          </a:blip>
+          <a:blip r:embed="rId7"/>
           <a:stretch/>
         </p:blipFill>
         <p:spPr bwMode="auto">
@@ -8573,7 +8751,7 @@
           <p:nvPr/>
         </p:nvPicPr>
         <p:blipFill>
-          <a:blip r:embed="rId9"/>
+          <a:blip r:embed="rId8"/>
           <a:stretch/>
         </p:blipFill>
         <p:spPr bwMode="auto">
@@ -8595,7 +8773,7 @@
           <p:nvPr/>
         </p:nvPicPr>
         <p:blipFill>
-          <a:blip r:embed="rId10"/>
+          <a:blip r:embed="rId9"/>
           <a:stretch/>
         </p:blipFill>
         <p:spPr bwMode="auto">

--- a/presentables/posters/poster_diagrams.pptx
+++ b/presentables/posters/poster_diagrams.pptx
@@ -5964,8 +5964,8 @@
         </p:nvSpPr>
         <p:spPr bwMode="auto">
           <a:xfrm flipH="0" flipV="0">
-            <a:off x="7284188" y="5405552"/>
-            <a:ext cx="2250031" cy="427079"/>
+            <a:off x="6162594" y="5405731"/>
+            <a:ext cx="4250710" cy="427079"/>
           </a:xfrm>
           <a:prstGeom prst="rect">
             <a:avLst/>
@@ -5988,7 +5988,7 @@
                 <a:latin typeface="Montserrat"/>
                 <a:cs typeface="Montserrat"/>
               </a:rPr>
-              <a:t>Receiver</a:t>
+              <a:t>Receiver (with FPGA)</a:t>
             </a:r>
             <a:endParaRPr sz="2200" b="0">
               <a:solidFill>
@@ -6052,7 +6052,7 @@
                 <a:ea typeface="Montserrat"/>
                 <a:cs typeface="Montserrat"/>
               </a:rPr>
-              <a:t>010110101</a:t>
+              <a:t>OFDM</a:t>
             </a:r>
             <a:endParaRPr sz="2200">
               <a:solidFill>
@@ -6116,7 +6116,7 @@
                 <a:ea typeface="Montserrat"/>
                 <a:cs typeface="Montserrat"/>
               </a:rPr>
-              <a:t>010110101</a:t>
+              <a:t>OFDM</a:t>
             </a:r>
             <a:endParaRPr sz="2200">
               <a:solidFill>
@@ -6268,6 +6268,34 @@
           </a:fontRef>
         </p:style>
       </p:cxnSp>
+      <p:pic>
+        <p:nvPicPr>
+          <p:cNvPr id="1714761464" name=""/>
+          <p:cNvPicPr>
+            <a:picLocks noChangeAspect="1"/>
+          </p:cNvPicPr>
+          <p:nvPr/>
+        </p:nvPicPr>
+        <p:blipFill>
+          <a:blip r:embed="rId12">
+            <a:extLst>
+              <a:ext uri="{96DAC541-7B7A-43D3-8B79-37D633B846F1}">
+                <asvg:svgBlip xmlns:asvg="http://schemas.microsoft.com/office/drawing/2016/SVG/main" r:embed="rId13"/>
+              </a:ext>
+            </a:extLst>
+          </a:blip>
+          <a:stretch/>
+        </p:blipFill>
+        <p:spPr bwMode="auto">
+          <a:xfrm flipH="0" flipV="0">
+            <a:off x="7601504" y="4795267"/>
+            <a:ext cx="431359" cy="431359"/>
+          </a:xfrm>
+          <a:prstGeom prst="rect">
+            <a:avLst/>
+          </a:prstGeom>
+        </p:spPr>
+      </p:pic>
     </p:spTree>
   </p:cSld>
   <p:clrMapOvr>
